--- a/Presentation/Presentation.pptx
+++ b/Presentation/Presentation.pptx
@@ -9,11 +9,12 @@
     <p:sldId id="257" r:id="rId3"/>
     <p:sldId id="258" r:id="rId4"/>
     <p:sldId id="259" r:id="rId5"/>
-    <p:sldId id="260" r:id="rId6"/>
-    <p:sldId id="261" r:id="rId7"/>
-    <p:sldId id="262" r:id="rId8"/>
-    <p:sldId id="263" r:id="rId9"/>
-    <p:sldId id="264" r:id="rId10"/>
+    <p:sldId id="265" r:id="rId6"/>
+    <p:sldId id="260" r:id="rId7"/>
+    <p:sldId id="261" r:id="rId8"/>
+    <p:sldId id="262" r:id="rId9"/>
+    <p:sldId id="263" r:id="rId10"/>
+    <p:sldId id="264" r:id="rId11"/>
   </p:sldIdLst>
   <p:sldSz cx="12192000" cy="6858000"/>
   <p:notesSz cx="6858000" cy="9144000"/>
@@ -112,6 +113,11 @@
       </a:defRPr>
     </a:lvl9pPr>
   </p:defaultTextStyle>
+  <p:extLst>
+    <p:ext uri="{EFAFB233-063F-42B5-8137-9DF3F51BA10A}">
+      <p15:sldGuideLst xmlns:p15="http://schemas.microsoft.com/office/powerpoint/2012/main"/>
+    </p:ext>
+  </p:extLst>
 </p:presentation>
 </file>
 
@@ -262,7 +268,7 @@
           <a:p>
             <a:fld id="{C4076682-4D5F-DC4D-8DD0-73BE009F9C31}" type="datetimeFigureOut">
               <a:rPr lang="en-US" smtClean="0"/>
-              <a:t>10/3/24</a:t>
+              <a:t>10/4/24</a:t>
             </a:fld>
             <a:endParaRPr lang="en-US"/>
           </a:p>
@@ -460,7 +466,7 @@
           <a:p>
             <a:fld id="{C4076682-4D5F-DC4D-8DD0-73BE009F9C31}" type="datetimeFigureOut">
               <a:rPr lang="en-US" smtClean="0"/>
-              <a:t>10/3/24</a:t>
+              <a:t>10/4/24</a:t>
             </a:fld>
             <a:endParaRPr lang="en-US"/>
           </a:p>
@@ -668,7 +674,7 @@
           <a:p>
             <a:fld id="{C4076682-4D5F-DC4D-8DD0-73BE009F9C31}" type="datetimeFigureOut">
               <a:rPr lang="en-US" smtClean="0"/>
-              <a:t>10/3/24</a:t>
+              <a:t>10/4/24</a:t>
             </a:fld>
             <a:endParaRPr lang="en-US"/>
           </a:p>
@@ -866,7 +872,7 @@
           <a:p>
             <a:fld id="{C4076682-4D5F-DC4D-8DD0-73BE009F9C31}" type="datetimeFigureOut">
               <a:rPr lang="en-US" smtClean="0"/>
-              <a:t>10/3/24</a:t>
+              <a:t>10/4/24</a:t>
             </a:fld>
             <a:endParaRPr lang="en-US"/>
           </a:p>
@@ -1141,7 +1147,7 @@
           <a:p>
             <a:fld id="{C4076682-4D5F-DC4D-8DD0-73BE009F9C31}" type="datetimeFigureOut">
               <a:rPr lang="en-US" smtClean="0"/>
-              <a:t>10/3/24</a:t>
+              <a:t>10/4/24</a:t>
             </a:fld>
             <a:endParaRPr lang="en-US"/>
           </a:p>
@@ -1406,7 +1412,7 @@
           <a:p>
             <a:fld id="{C4076682-4D5F-DC4D-8DD0-73BE009F9C31}" type="datetimeFigureOut">
               <a:rPr lang="en-US" smtClean="0"/>
-              <a:t>10/3/24</a:t>
+              <a:t>10/4/24</a:t>
             </a:fld>
             <a:endParaRPr lang="en-US"/>
           </a:p>
@@ -1818,7 +1824,7 @@
           <a:p>
             <a:fld id="{C4076682-4D5F-DC4D-8DD0-73BE009F9C31}" type="datetimeFigureOut">
               <a:rPr lang="en-US" smtClean="0"/>
-              <a:t>10/3/24</a:t>
+              <a:t>10/4/24</a:t>
             </a:fld>
             <a:endParaRPr lang="en-US"/>
           </a:p>
@@ -1959,7 +1965,7 @@
           <a:p>
             <a:fld id="{C4076682-4D5F-DC4D-8DD0-73BE009F9C31}" type="datetimeFigureOut">
               <a:rPr lang="en-US" smtClean="0"/>
-              <a:t>10/3/24</a:t>
+              <a:t>10/4/24</a:t>
             </a:fld>
             <a:endParaRPr lang="en-US"/>
           </a:p>
@@ -2072,7 +2078,7 @@
           <a:p>
             <a:fld id="{C4076682-4D5F-DC4D-8DD0-73BE009F9C31}" type="datetimeFigureOut">
               <a:rPr lang="en-US" smtClean="0"/>
-              <a:t>10/3/24</a:t>
+              <a:t>10/4/24</a:t>
             </a:fld>
             <a:endParaRPr lang="en-US"/>
           </a:p>
@@ -2383,7 +2389,7 @@
           <a:p>
             <a:fld id="{C4076682-4D5F-DC4D-8DD0-73BE009F9C31}" type="datetimeFigureOut">
               <a:rPr lang="en-US" smtClean="0"/>
-              <a:t>10/3/24</a:t>
+              <a:t>10/4/24</a:t>
             </a:fld>
             <a:endParaRPr lang="en-US"/>
           </a:p>
@@ -2671,7 +2677,7 @@
           <a:p>
             <a:fld id="{C4076682-4D5F-DC4D-8DD0-73BE009F9C31}" type="datetimeFigureOut">
               <a:rPr lang="en-US" smtClean="0"/>
-              <a:t>10/3/24</a:t>
+              <a:t>10/4/24</a:t>
             </a:fld>
             <a:endParaRPr lang="en-US"/>
           </a:p>
@@ -2912,7 +2918,7 @@
           <a:p>
             <a:fld id="{C4076682-4D5F-DC4D-8DD0-73BE009F9C31}" type="datetimeFigureOut">
               <a:rPr lang="en-US" smtClean="0"/>
-              <a:t>10/3/24</a:t>
+              <a:t>10/4/24</a:t>
             </a:fld>
             <a:endParaRPr lang="en-US"/>
           </a:p>
@@ -3378,6 +3384,14 @@
           <a:bodyPr/>
           <a:lstStyle/>
           <a:p>
+            <a:r>
+              <a:rPr lang="en-US" dirty="0"/>
+              <a:t>Jeffrey </a:t>
+            </a:r>
+            <a:r>
+              <a:rPr lang="en-US" dirty="0" err="1"/>
+              <a:t>Goett</a:t>
+            </a:r>
             <a:endParaRPr lang="en-US" dirty="0"/>
           </a:p>
         </p:txBody>
@@ -3386,6 +3400,89 @@
     <p:extLst>
       <p:ext uri="{BB962C8B-B14F-4D97-AF65-F5344CB8AC3E}">
         <p14:creationId xmlns:p14="http://schemas.microsoft.com/office/powerpoint/2010/main" val="1973938384"/>
+      </p:ext>
+    </p:extLst>
+  </p:cSld>
+  <p:clrMapOvr>
+    <a:masterClrMapping/>
+  </p:clrMapOvr>
+</p:sld>
+</file>
+
+<file path=ppt/slides/slide10.xml><?xml version="1.0" encoding="utf-8"?>
+<p:sld xmlns:a="http://schemas.openxmlformats.org/drawingml/2006/main" xmlns:r="http://schemas.openxmlformats.org/officeDocument/2006/relationships" xmlns:p="http://schemas.openxmlformats.org/presentationml/2006/main">
+  <p:cSld>
+    <p:spTree>
+      <p:nvGrpSpPr>
+        <p:cNvPr id="1" name=""/>
+        <p:cNvGrpSpPr/>
+        <p:nvPr/>
+      </p:nvGrpSpPr>
+      <p:grpSpPr>
+        <a:xfrm>
+          <a:off x="0" y="0"/>
+          <a:ext cx="0" cy="0"/>
+          <a:chOff x="0" y="0"/>
+          <a:chExt cx="0" cy="0"/>
+        </a:xfrm>
+      </p:grpSpPr>
+      <p:sp>
+        <p:nvSpPr>
+          <p:cNvPr id="2" name="Title 1">
+            <a:extLst>
+              <a:ext uri="{FF2B5EF4-FFF2-40B4-BE49-F238E27FC236}">
+                <a16:creationId xmlns:a16="http://schemas.microsoft.com/office/drawing/2014/main" id="{2977022E-A290-EA34-E1A0-D471E8C7144D}"/>
+              </a:ext>
+            </a:extLst>
+          </p:cNvPr>
+          <p:cNvSpPr>
+            <a:spLocks noGrp="1"/>
+          </p:cNvSpPr>
+          <p:nvPr>
+            <p:ph type="title"/>
+          </p:nvPr>
+        </p:nvSpPr>
+        <p:spPr/>
+        <p:txBody>
+          <a:bodyPr/>
+          <a:lstStyle/>
+          <a:p>
+            <a:r>
+              <a:rPr lang="en-US" dirty="0"/>
+              <a:t>Thank You!</a:t>
+            </a:r>
+          </a:p>
+        </p:txBody>
+      </p:sp>
+      <p:sp>
+        <p:nvSpPr>
+          <p:cNvPr id="3" name="Content Placeholder 2">
+            <a:extLst>
+              <a:ext uri="{FF2B5EF4-FFF2-40B4-BE49-F238E27FC236}">
+                <a16:creationId xmlns:a16="http://schemas.microsoft.com/office/drawing/2014/main" id="{62440D31-3A04-3292-1BC2-E44B4F37D566}"/>
+              </a:ext>
+            </a:extLst>
+          </p:cNvPr>
+          <p:cNvSpPr>
+            <a:spLocks noGrp="1"/>
+          </p:cNvSpPr>
+          <p:nvPr>
+            <p:ph idx="1"/>
+          </p:nvPr>
+        </p:nvSpPr>
+        <p:spPr/>
+        <p:txBody>
+          <a:bodyPr/>
+          <a:lstStyle/>
+          <a:p>
+            <a:endParaRPr lang="en-US"/>
+          </a:p>
+        </p:txBody>
+      </p:sp>
+    </p:spTree>
+    <p:extLst>
+      <p:ext uri="{BB962C8B-B14F-4D97-AF65-F5344CB8AC3E}">
+        <p14:creationId xmlns:p14="http://schemas.microsoft.com/office/powerpoint/2010/main" val="4202594647"/>
       </p:ext>
     </p:extLst>
   </p:cSld>
@@ -3565,7 +3662,7 @@
             </a:r>
             <a:r>
               <a:rPr lang="en-US" b="1" dirty="0"/>
-              <a:t>$2 Million - $12 Million </a:t>
+              <a:t>up to $12 Million </a:t>
             </a:r>
             <a:r>
               <a:rPr lang="en-US" dirty="0"/>
@@ -3591,7 +3688,7 @@
             </a:r>
             <a:r>
               <a:rPr lang="en-US" b="1" dirty="0"/>
-              <a:t>Lionsgate </a:t>
+              <a:t>Columbia </a:t>
             </a:r>
             <a:r>
               <a:rPr lang="en-US" dirty="0"/>
@@ -3613,19 +3710,11 @@
             </a:r>
             <a:r>
               <a:rPr lang="en-US" b="1" dirty="0"/>
-              <a:t>profitable horror</a:t>
+              <a:t>profitable comedy </a:t>
             </a:r>
             <a:r>
               <a:rPr lang="en-US" dirty="0"/>
-              <a:t>, </a:t>
-            </a:r>
-            <a:r>
-              <a:rPr lang="en-US" b="1" dirty="0"/>
-              <a:t>thriller</a:t>
-            </a:r>
-            <a:r>
-              <a:rPr lang="en-US" dirty="0"/>
-              <a:t>, and </a:t>
+              <a:t>and </a:t>
             </a:r>
             <a:r>
               <a:rPr lang="en-US" b="1" dirty="0"/>
@@ -3674,12 +3763,78 @@
           <a:chExt cx="0" cy="0"/>
         </a:xfrm>
       </p:grpSpPr>
+      <p:sp>
+        <p:nvSpPr>
+          <p:cNvPr id="2" name="Title 1">
+            <a:extLst>
+              <a:ext uri="{FF2B5EF4-FFF2-40B4-BE49-F238E27FC236}">
+                <a16:creationId xmlns:a16="http://schemas.microsoft.com/office/drawing/2014/main" id="{CDE212B4-C1ED-B253-C28A-8E24939E87D0}"/>
+              </a:ext>
+            </a:extLst>
+          </p:cNvPr>
+          <p:cNvSpPr>
+            <a:spLocks noGrp="1"/>
+          </p:cNvSpPr>
+          <p:nvPr>
+            <p:ph type="title"/>
+          </p:nvPr>
+        </p:nvSpPr>
+        <p:spPr>
+          <a:xfrm>
+            <a:off x="838200" y="198865"/>
+            <a:ext cx="10515600" cy="1325563"/>
+          </a:xfrm>
+        </p:spPr>
+        <p:txBody>
+          <a:bodyPr/>
+          <a:lstStyle/>
+          <a:p>
+            <a:r>
+              <a:rPr lang="en-US" dirty="0"/>
+              <a:t>Studio Overview</a:t>
+            </a:r>
+          </a:p>
+        </p:txBody>
+      </p:sp>
+      <p:sp>
+        <p:nvSpPr>
+          <p:cNvPr id="3" name="Content Placeholder 2">
+            <a:extLst>
+              <a:ext uri="{FF2B5EF4-FFF2-40B4-BE49-F238E27FC236}">
+                <a16:creationId xmlns:a16="http://schemas.microsoft.com/office/drawing/2014/main" id="{378C88C6-A7B5-78C4-14F4-A90FCF2E4533}"/>
+              </a:ext>
+            </a:extLst>
+          </p:cNvPr>
+          <p:cNvSpPr>
+            <a:spLocks noGrp="1"/>
+          </p:cNvSpPr>
+          <p:nvPr>
+            <p:ph idx="1"/>
+          </p:nvPr>
+        </p:nvSpPr>
+        <p:spPr>
+          <a:xfrm>
+            <a:off x="838200" y="1022443"/>
+            <a:ext cx="10515600" cy="4351338"/>
+          </a:xfrm>
+        </p:spPr>
+        <p:txBody>
+          <a:bodyPr/>
+          <a:lstStyle/>
+          <a:p>
+            <a:r>
+              <a:rPr lang="en-US" dirty="0"/>
+              <a:t>Major American Studios make a wide range of movies.</a:t>
+            </a:r>
+          </a:p>
+        </p:txBody>
+      </p:sp>
       <p:pic>
         <p:nvPicPr>
-          <p:cNvPr id="5" name="Picture 4" descr="A graph of different colored rectangular shapes&#10;&#10;Description automatically generated with medium confidence">
-            <a:extLst>
-              <a:ext uri="{FF2B5EF4-FFF2-40B4-BE49-F238E27FC236}">
-                <a16:creationId xmlns:a16="http://schemas.microsoft.com/office/drawing/2014/main" id="{A627EBC0-CE27-C5F8-D25F-671F7B1D6DB7}"/>
+          <p:cNvPr id="6" name="Picture 5" descr="A comparison of a graph&#10;&#10;Description automatically generated with medium confidence">
+            <a:extLst>
+              <a:ext uri="{FF2B5EF4-FFF2-40B4-BE49-F238E27FC236}">
+                <a16:creationId xmlns:a16="http://schemas.microsoft.com/office/drawing/2014/main" id="{BE091E4C-C86E-EA9A-A197-CF3AEF2EE5F6}"/>
               </a:ext>
             </a:extLst>
           </p:cNvPr>
@@ -3690,81 +3845,19 @@
         </p:nvPicPr>
         <p:blipFill>
           <a:blip r:embed="rId2"/>
-          <a:stretch>
-            <a:fillRect/>
-          </a:stretch>
+          <a:srcRect r="51049"/>
+          <a:stretch/>
         </p:blipFill>
         <p:spPr>
           <a:xfrm>
-            <a:off x="2579144" y="1459283"/>
-            <a:ext cx="7033712" cy="5275284"/>
+            <a:off x="2453275" y="1429987"/>
+            <a:ext cx="6829271" cy="5428013"/>
           </a:xfrm>
           <a:prstGeom prst="rect">
             <a:avLst/>
           </a:prstGeom>
         </p:spPr>
       </p:pic>
-      <p:sp>
-        <p:nvSpPr>
-          <p:cNvPr id="2" name="Title 1">
-            <a:extLst>
-              <a:ext uri="{FF2B5EF4-FFF2-40B4-BE49-F238E27FC236}">
-                <a16:creationId xmlns:a16="http://schemas.microsoft.com/office/drawing/2014/main" id="{CDE212B4-C1ED-B253-C28A-8E24939E87D0}"/>
-              </a:ext>
-            </a:extLst>
-          </p:cNvPr>
-          <p:cNvSpPr>
-            <a:spLocks noGrp="1"/>
-          </p:cNvSpPr>
-          <p:nvPr>
-            <p:ph type="title"/>
-          </p:nvPr>
-        </p:nvSpPr>
-        <p:spPr/>
-        <p:txBody>
-          <a:bodyPr/>
-          <a:lstStyle/>
-          <a:p>
-            <a:r>
-              <a:rPr lang="en-US" dirty="0"/>
-              <a:t>Investment Amount</a:t>
-            </a:r>
-          </a:p>
-        </p:txBody>
-      </p:sp>
-      <p:sp>
-        <p:nvSpPr>
-          <p:cNvPr id="3" name="Content Placeholder 2">
-            <a:extLst>
-              <a:ext uri="{FF2B5EF4-FFF2-40B4-BE49-F238E27FC236}">
-                <a16:creationId xmlns:a16="http://schemas.microsoft.com/office/drawing/2014/main" id="{378C88C6-A7B5-78C4-14F4-A90FCF2E4533}"/>
-              </a:ext>
-            </a:extLst>
-          </p:cNvPr>
-          <p:cNvSpPr>
-            <a:spLocks noGrp="1"/>
-          </p:cNvSpPr>
-          <p:nvPr>
-            <p:ph idx="1"/>
-          </p:nvPr>
-        </p:nvSpPr>
-        <p:spPr>
-          <a:xfrm>
-            <a:off x="838200" y="1299533"/>
-            <a:ext cx="10515600" cy="4351338"/>
-          </a:xfrm>
-        </p:spPr>
-        <p:txBody>
-          <a:bodyPr/>
-          <a:lstStyle/>
-          <a:p>
-            <a:r>
-              <a:rPr lang="en-US" dirty="0"/>
-              <a:t>Investing $2 - $12 Million gives a good ROI.</a:t>
-            </a:r>
-          </a:p>
-        </p:txBody>
-      </p:sp>
     </p:spTree>
     <p:extLst>
       <p:ext uri="{BB962C8B-B14F-4D97-AF65-F5344CB8AC3E}">
@@ -3783,7 +3876,13 @@
   <p:cSld>
     <p:spTree>
       <p:nvGrpSpPr>
-        <p:cNvPr id="1" name=""/>
+        <p:cNvPr id="1" name="">
+          <a:extLst>
+            <a:ext uri="{FF2B5EF4-FFF2-40B4-BE49-F238E27FC236}">
+              <a16:creationId xmlns:a16="http://schemas.microsoft.com/office/drawing/2014/main" id="{A748B019-216D-6462-68D3-03BBCE19CFB6}"/>
+            </a:ext>
+          </a:extLst>
+        </p:cNvPr>
         <p:cNvGrpSpPr/>
         <p:nvPr/>
       </p:nvGrpSpPr>
@@ -3797,10 +3896,10 @@
       </p:grpSpPr>
       <p:pic>
         <p:nvPicPr>
-          <p:cNvPr id="5" name="Picture 4" descr="A graph of different colored bars&#10;&#10;Description automatically generated">
-            <a:extLst>
-              <a:ext uri="{FF2B5EF4-FFF2-40B4-BE49-F238E27FC236}">
-                <a16:creationId xmlns:a16="http://schemas.microsoft.com/office/drawing/2014/main" id="{E5DF4457-0F5B-6E07-468B-D5D5817F3874}"/>
+          <p:cNvPr id="6" name="Picture 5" descr="A comparison of a graph&#10;&#10;Description automatically generated with medium confidence">
+            <a:extLst>
+              <a:ext uri="{FF2B5EF4-FFF2-40B4-BE49-F238E27FC236}">
+                <a16:creationId xmlns:a16="http://schemas.microsoft.com/office/drawing/2014/main" id="{08DBA939-73ED-A90C-B86C-145F238DB920}"/>
               </a:ext>
             </a:extLst>
           </p:cNvPr>
@@ -3811,14 +3910,13 @@
         </p:nvPicPr>
         <p:blipFill>
           <a:blip r:embed="rId2"/>
-          <a:stretch>
-            <a:fillRect/>
-          </a:stretch>
+          <a:srcRect l="51968"/>
+          <a:stretch/>
         </p:blipFill>
         <p:spPr>
           <a:xfrm>
-            <a:off x="2453883" y="1449844"/>
-            <a:ext cx="7284233" cy="5463175"/>
+            <a:off x="4394428" y="586512"/>
+            <a:ext cx="7527495" cy="6097519"/>
           </a:xfrm>
           <a:prstGeom prst="rect">
             <a:avLst/>
@@ -3830,7 +3928,7 @@
           <p:cNvPr id="2" name="Title 1">
             <a:extLst>
               <a:ext uri="{FF2B5EF4-FFF2-40B4-BE49-F238E27FC236}">
-                <a16:creationId xmlns:a16="http://schemas.microsoft.com/office/drawing/2014/main" id="{1893E231-CA82-0097-B576-7CFD668F6649}"/>
+                <a16:creationId xmlns:a16="http://schemas.microsoft.com/office/drawing/2014/main" id="{A6530A43-2C83-821B-9A78-6B001B5E6E14}"/>
               </a:ext>
             </a:extLst>
           </p:cNvPr>
@@ -3839,40 +3937,12 @@
           </p:cNvSpPr>
           <p:nvPr>
             <p:ph type="title"/>
-          </p:nvPr>
-        </p:nvSpPr>
-        <p:spPr/>
-        <p:txBody>
-          <a:bodyPr/>
-          <a:lstStyle/>
-          <a:p>
-            <a:r>
-              <a:rPr lang="en-US" dirty="0"/>
-              <a:t>Successful Movie Studios</a:t>
-            </a:r>
-          </a:p>
-        </p:txBody>
-      </p:sp>
-      <p:sp>
-        <p:nvSpPr>
-          <p:cNvPr id="3" name="Content Placeholder 2">
-            <a:extLst>
-              <a:ext uri="{FF2B5EF4-FFF2-40B4-BE49-F238E27FC236}">
-                <a16:creationId xmlns:a16="http://schemas.microsoft.com/office/drawing/2014/main" id="{B2C1389E-3951-C297-79BC-46E2EC8223CD}"/>
-              </a:ext>
-            </a:extLst>
-          </p:cNvPr>
-          <p:cNvSpPr>
-            <a:spLocks noGrp="1"/>
-          </p:cNvSpPr>
-          <p:nvPr>
-            <p:ph idx="1"/>
           </p:nvPr>
         </p:nvSpPr>
         <p:spPr>
           <a:xfrm>
-            <a:off x="838200" y="1324584"/>
-            <a:ext cx="10515600" cy="4351338"/>
+            <a:off x="602668" y="143446"/>
+            <a:ext cx="10515600" cy="1325563"/>
           </a:xfrm>
         </p:spPr>
         <p:txBody>
@@ -3881,7 +3951,40 @@
           <a:p>
             <a:r>
               <a:rPr lang="en-US" dirty="0"/>
-              <a:t>Universal, Lionsgate, and Paramount make profitable films in our budget.</a:t>
+              <a:t>Studio Overview</a:t>
+            </a:r>
+          </a:p>
+        </p:txBody>
+      </p:sp>
+      <p:sp>
+        <p:nvSpPr>
+          <p:cNvPr id="3" name="Content Placeholder 2">
+            <a:extLst>
+              <a:ext uri="{FF2B5EF4-FFF2-40B4-BE49-F238E27FC236}">
+                <a16:creationId xmlns:a16="http://schemas.microsoft.com/office/drawing/2014/main" id="{DA1414B7-162D-032D-CD96-DB968086F2AC}"/>
+              </a:ext>
+            </a:extLst>
+          </p:cNvPr>
+          <p:cNvSpPr>
+            <a:spLocks noGrp="1"/>
+          </p:cNvSpPr>
+          <p:nvPr>
+            <p:ph idx="1"/>
+          </p:nvPr>
+        </p:nvSpPr>
+        <p:spPr>
+          <a:xfrm>
+            <a:off x="838200" y="1008584"/>
+            <a:ext cx="3837972" cy="4351338"/>
+          </a:xfrm>
+        </p:spPr>
+        <p:txBody>
+          <a:bodyPr/>
+          <a:lstStyle/>
+          <a:p>
+            <a:r>
+              <a:rPr lang="en-US" dirty="0"/>
+              <a:t>Good ROI: Budgets under $12 Million</a:t>
             </a:r>
           </a:p>
         </p:txBody>
@@ -3889,7 +3992,7 @@
     </p:spTree>
     <p:extLst>
       <p:ext uri="{BB962C8B-B14F-4D97-AF65-F5344CB8AC3E}">
-        <p14:creationId xmlns:p14="http://schemas.microsoft.com/office/powerpoint/2010/main" val="3574350785"/>
+        <p14:creationId xmlns:p14="http://schemas.microsoft.com/office/powerpoint/2010/main" val="2918301779"/>
       </p:ext>
     </p:extLst>
   </p:cSld>
@@ -3918,47 +4021,70 @@
       </p:grpSpPr>
       <p:sp>
         <p:nvSpPr>
-          <p:cNvPr id="2" name="Title 1">
-            <a:extLst>
-              <a:ext uri="{FF2B5EF4-FFF2-40B4-BE49-F238E27FC236}">
-                <a16:creationId xmlns:a16="http://schemas.microsoft.com/office/drawing/2014/main" id="{F2675E26-7278-ABA0-A384-581AC0FC4041}"/>
-              </a:ext>
-            </a:extLst>
-          </p:cNvPr>
-          <p:cNvSpPr>
-            <a:spLocks noGrp="1"/>
-          </p:cNvSpPr>
-          <p:nvPr>
-            <p:ph type="title"/>
-          </p:nvPr>
-        </p:nvSpPr>
-        <p:spPr/>
-        <p:txBody>
-          <a:bodyPr/>
-          <a:lstStyle/>
-          <a:p>
+          <p:cNvPr id="3" name="Content Placeholder 2">
+            <a:extLst>
+              <a:ext uri="{FF2B5EF4-FFF2-40B4-BE49-F238E27FC236}">
+                <a16:creationId xmlns:a16="http://schemas.microsoft.com/office/drawing/2014/main" id="{B2C1389E-3951-C297-79BC-46E2EC8223CD}"/>
+              </a:ext>
+            </a:extLst>
+          </p:cNvPr>
+          <p:cNvSpPr>
+            <a:spLocks noGrp="1"/>
+          </p:cNvSpPr>
+          <p:nvPr>
+            <p:ph idx="1"/>
+          </p:nvPr>
+        </p:nvSpPr>
+        <p:spPr>
+          <a:xfrm>
+            <a:off x="838198" y="1056818"/>
+            <a:ext cx="4842165" cy="4351338"/>
+          </a:xfrm>
+        </p:spPr>
+        <p:txBody>
+          <a:bodyPr/>
+          <a:lstStyle/>
+          <a:p>
+            <a:r>
+              <a:rPr lang="en-US" b="1" dirty="0"/>
+              <a:t>Paramount</a:t>
+            </a:r>
             <a:r>
               <a:rPr lang="en-US" dirty="0"/>
-              <a:t>Genres</a:t>
+              <a:t>, </a:t>
+            </a:r>
+            <a:r>
+              <a:rPr lang="en-US" b="1" dirty="0"/>
+              <a:t>Columbia</a:t>
+            </a:r>
+            <a:r>
+              <a:rPr lang="en-US" dirty="0"/>
+              <a:t>, and </a:t>
+            </a:r>
+            <a:r>
+              <a:rPr lang="en-US" b="1" dirty="0"/>
+              <a:t>Universal</a:t>
+            </a:r>
+            <a:r>
+              <a:rPr lang="en-US" dirty="0"/>
+              <a:t> make profitable films for under $12 million.</a:t>
             </a:r>
           </a:p>
         </p:txBody>
       </p:sp>
       <p:pic>
         <p:nvPicPr>
-          <p:cNvPr id="5" name="Content Placeholder 4" descr="A graph of blue bars&#10;&#10;Description automatically generated">
-            <a:extLst>
-              <a:ext uri="{FF2B5EF4-FFF2-40B4-BE49-F238E27FC236}">
-                <a16:creationId xmlns:a16="http://schemas.microsoft.com/office/drawing/2014/main" id="{9E507698-5DED-6E12-8630-AFF617BDF706}"/>
+          <p:cNvPr id="8" name="Picture 7" descr="A graph of different colored bars&#10;&#10;Description automatically generated">
+            <a:extLst>
+              <a:ext uri="{FF2B5EF4-FFF2-40B4-BE49-F238E27FC236}">
+                <a16:creationId xmlns:a16="http://schemas.microsoft.com/office/drawing/2014/main" id="{8C7C8D8E-6F08-C169-C2B9-52A1F237E8E4}"/>
               </a:ext>
             </a:extLst>
           </p:cNvPr>
           <p:cNvPicPr>
-            <a:picLocks noGrp="1" noChangeAspect="1"/>
+            <a:picLocks noChangeAspect="1"/>
           </p:cNvPicPr>
-          <p:nvPr>
-            <p:ph idx="1"/>
-          </p:nvPr>
+          <p:nvPr/>
         </p:nvPicPr>
         <p:blipFill>
           <a:blip r:embed="rId2"/>
@@ -3968,11 +4094,110 @@
         </p:blipFill>
         <p:spPr>
           <a:xfrm>
-            <a:off x="2552240" y="1542361"/>
-            <a:ext cx="7087519" cy="5315639"/>
+            <a:off x="5533159" y="567613"/>
+            <a:ext cx="6520295" cy="6166106"/>
+          </a:xfrm>
+          <a:prstGeom prst="rect">
+            <a:avLst/>
+          </a:prstGeom>
+        </p:spPr>
+      </p:pic>
+      <p:sp>
+        <p:nvSpPr>
+          <p:cNvPr id="2" name="Title 1">
+            <a:extLst>
+              <a:ext uri="{FF2B5EF4-FFF2-40B4-BE49-F238E27FC236}">
+                <a16:creationId xmlns:a16="http://schemas.microsoft.com/office/drawing/2014/main" id="{1893E231-CA82-0097-B576-7CFD668F6649}"/>
+              </a:ext>
+            </a:extLst>
+          </p:cNvPr>
+          <p:cNvSpPr>
+            <a:spLocks noGrp="1"/>
+          </p:cNvSpPr>
+          <p:nvPr>
+            <p:ph type="title"/>
+          </p:nvPr>
+        </p:nvSpPr>
+        <p:spPr>
+          <a:xfrm>
+            <a:off x="464127" y="124281"/>
+            <a:ext cx="10515600" cy="1325563"/>
           </a:xfrm>
         </p:spPr>
-      </p:pic>
+        <p:txBody>
+          <a:bodyPr/>
+          <a:lstStyle/>
+          <a:p>
+            <a:r>
+              <a:rPr lang="en-US" dirty="0"/>
+              <a:t>Successful Movie Studios</a:t>
+            </a:r>
+          </a:p>
+        </p:txBody>
+      </p:sp>
+    </p:spTree>
+    <p:extLst>
+      <p:ext uri="{BB962C8B-B14F-4D97-AF65-F5344CB8AC3E}">
+        <p14:creationId xmlns:p14="http://schemas.microsoft.com/office/powerpoint/2010/main" val="3574350785"/>
+      </p:ext>
+    </p:extLst>
+  </p:cSld>
+  <p:clrMapOvr>
+    <a:masterClrMapping/>
+  </p:clrMapOvr>
+</p:sld>
+</file>
+
+<file path=ppt/slides/slide7.xml><?xml version="1.0" encoding="utf-8"?>
+<p:sld xmlns:a="http://schemas.openxmlformats.org/drawingml/2006/main" xmlns:r="http://schemas.openxmlformats.org/officeDocument/2006/relationships" xmlns:p="http://schemas.openxmlformats.org/presentationml/2006/main">
+  <p:cSld>
+    <p:spTree>
+      <p:nvGrpSpPr>
+        <p:cNvPr id="1" name=""/>
+        <p:cNvGrpSpPr/>
+        <p:nvPr/>
+      </p:nvGrpSpPr>
+      <p:grpSpPr>
+        <a:xfrm>
+          <a:off x="0" y="0"/>
+          <a:ext cx="0" cy="0"/>
+          <a:chOff x="0" y="0"/>
+          <a:chExt cx="0" cy="0"/>
+        </a:xfrm>
+      </p:grpSpPr>
+      <p:sp>
+        <p:nvSpPr>
+          <p:cNvPr id="2" name="Title 1">
+            <a:extLst>
+              <a:ext uri="{FF2B5EF4-FFF2-40B4-BE49-F238E27FC236}">
+                <a16:creationId xmlns:a16="http://schemas.microsoft.com/office/drawing/2014/main" id="{F2675E26-7278-ABA0-A384-581AC0FC4041}"/>
+              </a:ext>
+            </a:extLst>
+          </p:cNvPr>
+          <p:cNvSpPr>
+            <a:spLocks noGrp="1"/>
+          </p:cNvSpPr>
+          <p:nvPr>
+            <p:ph type="title"/>
+          </p:nvPr>
+        </p:nvSpPr>
+        <p:spPr>
+          <a:xfrm>
+            <a:off x="505691" y="216492"/>
+            <a:ext cx="10515600" cy="1325563"/>
+          </a:xfrm>
+        </p:spPr>
+        <p:txBody>
+          <a:bodyPr/>
+          <a:lstStyle/>
+          <a:p>
+            <a:r>
+              <a:rPr lang="en-US" dirty="0"/>
+              <a:t>Genres</a:t>
+            </a:r>
+          </a:p>
+        </p:txBody>
+      </p:sp>
       <p:sp>
         <p:nvSpPr>
           <p:cNvPr id="7" name="Content Placeholder 2">
@@ -3990,7 +4215,7 @@
         <p:spPr>
           <a:xfrm>
             <a:off x="838200" y="1324584"/>
-            <a:ext cx="10515600" cy="4351338"/>
+            <a:ext cx="4012623" cy="4351338"/>
           </a:xfrm>
           <a:prstGeom prst="rect">
             <a:avLst/>
@@ -4167,71 +4392,33 @@
           <a:p>
             <a:r>
               <a:rPr lang="en-US" dirty="0"/>
-              <a:t>These studios make profitable </a:t>
+              <a:t>These studios make many profitable </a:t>
             </a:r>
             <a:r>
               <a:rPr lang="en-US" b="1" dirty="0"/>
-              <a:t>horror</a:t>
+              <a:t>dramas </a:t>
             </a:r>
             <a:r>
               <a:rPr lang="en-US" dirty="0"/>
-              <a:t>, </a:t>
+              <a:t>and </a:t>
             </a:r>
             <a:r>
               <a:rPr lang="en-US" b="1" dirty="0"/>
-              <a:t>thriller</a:t>
+              <a:t>comedies </a:t>
             </a:r>
             <a:r>
               <a:rPr lang="en-US" dirty="0"/>
-              <a:t>, and </a:t>
-            </a:r>
-            <a:r>
-              <a:rPr lang="en-US" b="1" dirty="0"/>
-              <a:t>drama </a:t>
-            </a:r>
-            <a:r>
-              <a:rPr lang="en-US" dirty="0"/>
-              <a:t>films in our budget.</a:t>
-            </a:r>
-          </a:p>
-        </p:txBody>
-      </p:sp>
-    </p:spTree>
-    <p:extLst>
-      <p:ext uri="{BB962C8B-B14F-4D97-AF65-F5344CB8AC3E}">
-        <p14:creationId xmlns:p14="http://schemas.microsoft.com/office/powerpoint/2010/main" val="3497893342"/>
-      </p:ext>
-    </p:extLst>
-  </p:cSld>
-  <p:clrMapOvr>
-    <a:masterClrMapping/>
-  </p:clrMapOvr>
-</p:sld>
-</file>
-
-<file path=ppt/slides/slide7.xml><?xml version="1.0" encoding="utf-8"?>
-<p:sld xmlns:a="http://schemas.openxmlformats.org/drawingml/2006/main" xmlns:r="http://schemas.openxmlformats.org/officeDocument/2006/relationships" xmlns:p="http://schemas.openxmlformats.org/presentationml/2006/main">
-  <p:cSld>
-    <p:spTree>
-      <p:nvGrpSpPr>
-        <p:cNvPr id="1" name=""/>
-        <p:cNvGrpSpPr/>
-        <p:nvPr/>
-      </p:nvGrpSpPr>
-      <p:grpSpPr>
-        <a:xfrm>
-          <a:off x="0" y="0"/>
-          <a:ext cx="0" cy="0"/>
-          <a:chOff x="0" y="0"/>
-          <a:chExt cx="0" cy="0"/>
-        </a:xfrm>
-      </p:grpSpPr>
+              <a:t>for under $12 million.</a:t>
+            </a:r>
+          </a:p>
+        </p:txBody>
+      </p:sp>
       <p:pic>
         <p:nvPicPr>
-          <p:cNvPr id="7" name="Picture 6" descr="A graph with blue dots and red line&#10;&#10;Description automatically generated">
-            <a:extLst>
-              <a:ext uri="{FF2B5EF4-FFF2-40B4-BE49-F238E27FC236}">
-                <a16:creationId xmlns:a16="http://schemas.microsoft.com/office/drawing/2014/main" id="{96EF6F41-E962-E353-89FB-0551B707062A}"/>
+          <p:cNvPr id="8" name="Picture 7" descr="A graph of movies made by genre&#10;&#10;Description automatically generated">
+            <a:extLst>
+              <a:ext uri="{FF2B5EF4-FFF2-40B4-BE49-F238E27FC236}">
+                <a16:creationId xmlns:a16="http://schemas.microsoft.com/office/drawing/2014/main" id="{91242DF6-D2F2-4DEA-2B7B-2E051EFEEF46}"/>
               </a:ext>
             </a:extLst>
           </p:cNvPr>
@@ -4248,79 +4435,18 @@
         </p:blipFill>
         <p:spPr>
           <a:xfrm>
-            <a:off x="2502970" y="1451635"/>
-            <a:ext cx="6986059" cy="5239544"/>
+            <a:off x="4850823" y="433963"/>
+            <a:ext cx="7341177" cy="6456071"/>
           </a:xfrm>
           <a:prstGeom prst="rect">
             <a:avLst/>
           </a:prstGeom>
         </p:spPr>
       </p:pic>
-      <p:sp>
-        <p:nvSpPr>
-          <p:cNvPr id="2" name="Title 1">
-            <a:extLst>
-              <a:ext uri="{FF2B5EF4-FFF2-40B4-BE49-F238E27FC236}">
-                <a16:creationId xmlns:a16="http://schemas.microsoft.com/office/drawing/2014/main" id="{D059A006-B96B-1BD7-4EF0-168E557EE828}"/>
-              </a:ext>
-            </a:extLst>
-          </p:cNvPr>
-          <p:cNvSpPr>
-            <a:spLocks noGrp="1"/>
-          </p:cNvSpPr>
-          <p:nvPr>
-            <p:ph type="title"/>
-          </p:nvPr>
-        </p:nvSpPr>
-        <p:spPr/>
-        <p:txBody>
-          <a:bodyPr/>
-          <a:lstStyle/>
-          <a:p>
-            <a:r>
-              <a:rPr lang="en-US" dirty="0"/>
-              <a:t>Quality</a:t>
-            </a:r>
-          </a:p>
-        </p:txBody>
-      </p:sp>
-      <p:sp>
-        <p:nvSpPr>
-          <p:cNvPr id="3" name="Content Placeholder 2">
-            <a:extLst>
-              <a:ext uri="{FF2B5EF4-FFF2-40B4-BE49-F238E27FC236}">
-                <a16:creationId xmlns:a16="http://schemas.microsoft.com/office/drawing/2014/main" id="{C5013166-7ECC-453E-45D5-7E67E9DFC8DA}"/>
-              </a:ext>
-            </a:extLst>
-          </p:cNvPr>
-          <p:cNvSpPr>
-            <a:spLocks noGrp="1"/>
-          </p:cNvSpPr>
-          <p:nvPr>
-            <p:ph idx="1"/>
-          </p:nvPr>
-        </p:nvSpPr>
-        <p:spPr>
-          <a:xfrm>
-            <a:off x="838200" y="1253331"/>
-            <a:ext cx="10515600" cy="4351338"/>
-          </a:xfrm>
-        </p:spPr>
-        <p:txBody>
-          <a:bodyPr/>
-          <a:lstStyle/>
-          <a:p>
-            <a:r>
-              <a:rPr lang="en-US" dirty="0"/>
-              <a:t>A moderate correlation between quality and ROI.</a:t>
-            </a:r>
-          </a:p>
-        </p:txBody>
-      </p:sp>
     </p:spTree>
     <p:extLst>
       <p:ext uri="{BB962C8B-B14F-4D97-AF65-F5344CB8AC3E}">
-        <p14:creationId xmlns:p14="http://schemas.microsoft.com/office/powerpoint/2010/main" val="1179798341"/>
+        <p14:creationId xmlns:p14="http://schemas.microsoft.com/office/powerpoint/2010/main" val="3497893342"/>
       </p:ext>
     </p:extLst>
   </p:cSld>
@@ -4347,12 +4473,42 @@
           <a:chExt cx="0" cy="0"/>
         </a:xfrm>
       </p:grpSpPr>
+      <p:pic>
+        <p:nvPicPr>
+          <p:cNvPr id="5" name="Picture 4" descr="A graph with blue dots and a red line&#10;&#10;Description automatically generated">
+            <a:extLst>
+              <a:ext uri="{FF2B5EF4-FFF2-40B4-BE49-F238E27FC236}">
+                <a16:creationId xmlns:a16="http://schemas.microsoft.com/office/drawing/2014/main" id="{E5A22004-618F-7C93-543A-1F0320AA1944}"/>
+              </a:ext>
+            </a:extLst>
+          </p:cNvPr>
+          <p:cNvPicPr>
+            <a:picLocks noChangeAspect="1"/>
+          </p:cNvPicPr>
+          <p:nvPr/>
+        </p:nvPicPr>
+        <p:blipFill>
+          <a:blip r:embed="rId2"/>
+          <a:stretch>
+            <a:fillRect/>
+          </a:stretch>
+        </p:blipFill>
+        <p:spPr>
+          <a:xfrm>
+            <a:off x="2777836" y="1555444"/>
+            <a:ext cx="6636328" cy="5302556"/>
+          </a:xfrm>
+          <a:prstGeom prst="rect">
+            <a:avLst/>
+          </a:prstGeom>
+        </p:spPr>
+      </p:pic>
       <p:sp>
         <p:nvSpPr>
           <p:cNvPr id="2" name="Title 1">
             <a:extLst>
               <a:ext uri="{FF2B5EF4-FFF2-40B4-BE49-F238E27FC236}">
-                <a16:creationId xmlns:a16="http://schemas.microsoft.com/office/drawing/2014/main" id="{276E2372-E5AE-D882-4EB2-393E769F97CB}"/>
+                <a16:creationId xmlns:a16="http://schemas.microsoft.com/office/drawing/2014/main" id="{D059A006-B96B-1BD7-4EF0-168E557EE828}"/>
               </a:ext>
             </a:extLst>
           </p:cNvPr>
@@ -4370,7 +4526,7 @@
           <a:p>
             <a:r>
               <a:rPr lang="en-US" dirty="0"/>
-              <a:t>Recommendations</a:t>
+              <a:t>Quality</a:t>
             </a:r>
           </a:p>
         </p:txBody>
@@ -4380,7 +4536,7 @@
           <p:cNvPr id="3" name="Content Placeholder 2">
             <a:extLst>
               <a:ext uri="{FF2B5EF4-FFF2-40B4-BE49-F238E27FC236}">
-                <a16:creationId xmlns:a16="http://schemas.microsoft.com/office/drawing/2014/main" id="{B4C3B4DF-F141-DEE2-028B-1BDC772F95CF}"/>
+                <a16:creationId xmlns:a16="http://schemas.microsoft.com/office/drawing/2014/main" id="{C5013166-7ECC-453E-45D5-7E67E9DFC8DA}"/>
               </a:ext>
             </a:extLst>
           </p:cNvPr>
@@ -4391,94 +4547,81 @@
             <p:ph idx="1"/>
           </p:nvPr>
         </p:nvSpPr>
-        <p:spPr/>
+        <p:spPr>
+          <a:xfrm>
+            <a:off x="838200" y="1253331"/>
+            <a:ext cx="10515600" cy="4351338"/>
+          </a:xfrm>
+        </p:spPr>
         <p:txBody>
           <a:bodyPr/>
           <a:lstStyle/>
           <a:p>
             <a:r>
               <a:rPr lang="en-US" dirty="0"/>
-              <a:t>Target movies with </a:t>
-            </a:r>
-            <a:r>
-              <a:rPr lang="en-US" b="1" dirty="0"/>
-              <a:t>budgets</a:t>
-            </a:r>
-            <a:r>
-              <a:rPr lang="en-US" dirty="0"/>
-              <a:t> between </a:t>
-            </a:r>
-            <a:r>
-              <a:rPr lang="en-US" b="1" dirty="0"/>
-              <a:t>$2-$12 million</a:t>
-            </a:r>
-            <a:r>
-              <a:rPr lang="en-US" dirty="0"/>
-              <a:t>.</a:t>
-            </a:r>
-          </a:p>
-          <a:p>
-            <a:r>
-              <a:rPr lang="en-US" dirty="0"/>
-              <a:t>Approach </a:t>
-            </a:r>
-            <a:r>
-              <a:rPr lang="en-US" b="1" dirty="0"/>
-              <a:t>Universal</a:t>
-            </a:r>
-            <a:r>
-              <a:rPr lang="en-US" dirty="0"/>
-              <a:t>, </a:t>
-            </a:r>
-            <a:r>
-              <a:rPr lang="en-US" b="1" dirty="0"/>
-              <a:t>Lionsgate</a:t>
-            </a:r>
-            <a:r>
-              <a:rPr lang="en-US" dirty="0"/>
-              <a:t>, and </a:t>
-            </a:r>
-            <a:r>
-              <a:rPr lang="en-US" b="1" dirty="0"/>
-              <a:t>Paramount</a:t>
-            </a:r>
-            <a:r>
-              <a:rPr lang="en-US" dirty="0"/>
-              <a:t> to make film.</a:t>
-            </a:r>
-          </a:p>
-          <a:p>
-            <a:r>
-              <a:rPr lang="en-US" dirty="0"/>
-              <a:t>Explore options for </a:t>
-            </a:r>
-            <a:r>
-              <a:rPr lang="en-US" b="1" dirty="0"/>
-              <a:t>high-quality horror</a:t>
-            </a:r>
-            <a:r>
-              <a:rPr lang="en-US" dirty="0"/>
-              <a:t>, </a:t>
-            </a:r>
-            <a:r>
-              <a:rPr lang="en-US" b="1" dirty="0"/>
-              <a:t>thriller</a:t>
-            </a:r>
-            <a:r>
-              <a:rPr lang="en-US" dirty="0"/>
-              <a:t>, and </a:t>
-            </a:r>
-            <a:r>
-              <a:rPr lang="en-US" b="1" dirty="0"/>
-              <a:t>dramas.</a:t>
-            </a:r>
+              <a:t>A moderate correlation between quality and ROI.</a:t>
+            </a:r>
+          </a:p>
+        </p:txBody>
+      </p:sp>
+      <p:sp>
+        <p:nvSpPr>
+          <p:cNvPr id="6" name="Rectangle 5">
+            <a:extLst>
+              <a:ext uri="{FF2B5EF4-FFF2-40B4-BE49-F238E27FC236}">
+                <a16:creationId xmlns:a16="http://schemas.microsoft.com/office/drawing/2014/main" id="{D3D0AAAF-715D-C526-EC3A-86A331674950}"/>
+              </a:ext>
+            </a:extLst>
+          </p:cNvPr>
+          <p:cNvSpPr/>
+          <p:nvPr/>
+        </p:nvSpPr>
+        <p:spPr>
+          <a:xfrm>
+            <a:off x="8899529" y="4398731"/>
+            <a:ext cx="290945" cy="1066800"/>
+          </a:xfrm>
+          <a:prstGeom prst="rect">
+            <a:avLst/>
+          </a:prstGeom>
+          <a:solidFill>
+            <a:schemeClr val="bg1"/>
+          </a:solidFill>
+          <a:ln>
+            <a:solidFill>
+              <a:schemeClr val="bg1"/>
+            </a:solidFill>
+          </a:ln>
+        </p:spPr>
+        <p:style>
+          <a:lnRef idx="2">
+            <a:schemeClr val="accent1">
+              <a:shade val="15000"/>
+            </a:schemeClr>
+          </a:lnRef>
+          <a:fillRef idx="1">
+            <a:schemeClr val="accent1"/>
+          </a:fillRef>
+          <a:effectRef idx="0">
+            <a:schemeClr val="accent1"/>
+          </a:effectRef>
+          <a:fontRef idx="minor">
+            <a:schemeClr val="lt1"/>
+          </a:fontRef>
+        </p:style>
+        <p:txBody>
+          <a:bodyPr rtlCol="0" anchor="ctr"/>
+          <a:lstStyle/>
+          <a:p>
+            <a:pPr algn="ctr"/>
+            <a:endParaRPr lang="en-US"/>
           </a:p>
         </p:txBody>
       </p:sp>
     </p:spTree>
     <p:extLst>
       <p:ext uri="{BB962C8B-B14F-4D97-AF65-F5344CB8AC3E}">
-        <p14:creationId xmlns:p14="http://schemas.microsoft.com/office/powerpoint/2010/main" val="3352067918"/>
+        <p14:creationId xmlns:p14="http://schemas.microsoft.com/office/powerpoint/2010/main" val="1179798341"/>
       </p:ext>
     </p:extLst>
   </p:cSld>
@@ -4510,7 +4653,7 @@
           <p:cNvPr id="2" name="Title 1">
             <a:extLst>
               <a:ext uri="{FF2B5EF4-FFF2-40B4-BE49-F238E27FC236}">
-                <a16:creationId xmlns:a16="http://schemas.microsoft.com/office/drawing/2014/main" id="{2977022E-A290-EA34-E1A0-D471E8C7144D}"/>
+                <a16:creationId xmlns:a16="http://schemas.microsoft.com/office/drawing/2014/main" id="{276E2372-E5AE-D882-4EB2-393E769F97CB}"/>
               </a:ext>
             </a:extLst>
           </p:cNvPr>
@@ -4528,7 +4671,7 @@
           <a:p>
             <a:r>
               <a:rPr lang="en-US" dirty="0"/>
-              <a:t>Thank You!</a:t>
+              <a:t>Recommendations</a:t>
             </a:r>
           </a:p>
         </p:txBody>
@@ -4538,7 +4681,7 @@
           <p:cNvPr id="3" name="Content Placeholder 2">
             <a:extLst>
               <a:ext uri="{FF2B5EF4-FFF2-40B4-BE49-F238E27FC236}">
-                <a16:creationId xmlns:a16="http://schemas.microsoft.com/office/drawing/2014/main" id="{62440D31-3A04-3292-1BC2-E44B4F37D566}"/>
+                <a16:creationId xmlns:a16="http://schemas.microsoft.com/office/drawing/2014/main" id="{B4C3B4DF-F141-DEE2-028B-1BDC772F95CF}"/>
               </a:ext>
             </a:extLst>
           </p:cNvPr>
@@ -4554,14 +4697,85 @@
           <a:bodyPr/>
           <a:lstStyle/>
           <a:p>
-            <a:endParaRPr lang="en-US"/>
+            <a:r>
+              <a:rPr lang="en-US" dirty="0"/>
+              <a:t>Target movies with </a:t>
+            </a:r>
+            <a:r>
+              <a:rPr lang="en-US" b="1" dirty="0"/>
+              <a:t>budgets</a:t>
+            </a:r>
+            <a:r>
+              <a:rPr lang="en-US" dirty="0"/>
+              <a:t> under </a:t>
+            </a:r>
+            <a:r>
+              <a:rPr lang="en-US" b="1" dirty="0"/>
+              <a:t>$12 million</a:t>
+            </a:r>
+            <a:r>
+              <a:rPr lang="en-US" dirty="0"/>
+              <a:t>.</a:t>
+            </a:r>
+          </a:p>
+          <a:p>
+            <a:r>
+              <a:rPr lang="en-US" dirty="0"/>
+              <a:t>Approach </a:t>
+            </a:r>
+            <a:r>
+              <a:rPr lang="en-US" b="1" dirty="0"/>
+              <a:t>Paramount</a:t>
+            </a:r>
+            <a:r>
+              <a:rPr lang="en-US" dirty="0"/>
+              <a:t>, </a:t>
+            </a:r>
+            <a:r>
+              <a:rPr lang="en-US" b="1" dirty="0"/>
+              <a:t>Columbia</a:t>
+            </a:r>
+            <a:r>
+              <a:rPr lang="en-US" dirty="0"/>
+              <a:t>, and </a:t>
+            </a:r>
+            <a:r>
+              <a:rPr lang="en-US" b="1" dirty="0"/>
+              <a:t>Universal </a:t>
+            </a:r>
+            <a:r>
+              <a:rPr lang="en-US" dirty="0"/>
+              <a:t>to make film.</a:t>
+            </a:r>
+          </a:p>
+          <a:p>
+            <a:r>
+              <a:rPr lang="en-US" dirty="0"/>
+              <a:t>Explore options for </a:t>
+            </a:r>
+            <a:r>
+              <a:rPr lang="en-US" b="1" dirty="0"/>
+              <a:t>high-quality comedy </a:t>
+            </a:r>
+            <a:r>
+              <a:rPr lang="en-US" dirty="0"/>
+              <a:t>and </a:t>
+            </a:r>
+            <a:r>
+              <a:rPr lang="en-US" b="1" dirty="0"/>
+              <a:t>drama </a:t>
+            </a:r>
+            <a:r>
+              <a:rPr lang="en-US" dirty="0"/>
+              <a:t>films.</a:t>
+            </a:r>
           </a:p>
         </p:txBody>
       </p:sp>
     </p:spTree>
     <p:extLst>
       <p:ext uri="{BB962C8B-B14F-4D97-AF65-F5344CB8AC3E}">
-        <p14:creationId xmlns:p14="http://schemas.microsoft.com/office/powerpoint/2010/main" val="4202594647"/>
+        <p14:creationId xmlns:p14="http://schemas.microsoft.com/office/powerpoint/2010/main" val="3352067918"/>
       </p:ext>
     </p:extLst>
   </p:cSld>

--- a/Presentation/Presentation.pptx
+++ b/Presentation/Presentation.pptx
@@ -4,17 +4,19 @@
   <p:sldMasterIdLst>
     <p:sldMasterId id="2147483648" r:id="rId1"/>
   </p:sldMasterIdLst>
+  <p:notesMasterIdLst>
+    <p:notesMasterId r:id="rId11"/>
+  </p:notesMasterIdLst>
   <p:sldIdLst>
     <p:sldId id="256" r:id="rId2"/>
     <p:sldId id="257" r:id="rId3"/>
     <p:sldId id="258" r:id="rId4"/>
-    <p:sldId id="259" r:id="rId5"/>
-    <p:sldId id="265" r:id="rId6"/>
-    <p:sldId id="260" r:id="rId7"/>
-    <p:sldId id="261" r:id="rId8"/>
-    <p:sldId id="262" r:id="rId9"/>
-    <p:sldId id="263" r:id="rId10"/>
-    <p:sldId id="264" r:id="rId11"/>
+    <p:sldId id="265" r:id="rId5"/>
+    <p:sldId id="260" r:id="rId6"/>
+    <p:sldId id="261" r:id="rId7"/>
+    <p:sldId id="262" r:id="rId8"/>
+    <p:sldId id="263" r:id="rId9"/>
+    <p:sldId id="264" r:id="rId10"/>
   </p:sldIdLst>
   <p:sldSz cx="12192000" cy="6858000"/>
   <p:notesSz cx="6858000" cy="9144000"/>
@@ -119,6 +121,454 @@
     </p:ext>
   </p:extLst>
 </p:presentation>
+</file>
+
+<file path=ppt/notesMasters/notesMaster1.xml><?xml version="1.0" encoding="utf-8"?>
+<p:notesMaster xmlns:a="http://schemas.openxmlformats.org/drawingml/2006/main" xmlns:r="http://schemas.openxmlformats.org/officeDocument/2006/relationships" xmlns:p="http://schemas.openxmlformats.org/presentationml/2006/main">
+  <p:cSld>
+    <p:bg>
+      <p:bgRef idx="1001">
+        <a:schemeClr val="bg1"/>
+      </p:bgRef>
+    </p:bg>
+    <p:spTree>
+      <p:nvGrpSpPr>
+        <p:cNvPr id="1" name=""/>
+        <p:cNvGrpSpPr/>
+        <p:nvPr/>
+      </p:nvGrpSpPr>
+      <p:grpSpPr>
+        <a:xfrm>
+          <a:off x="0" y="0"/>
+          <a:ext cx="0" cy="0"/>
+          <a:chOff x="0" y="0"/>
+          <a:chExt cx="0" cy="0"/>
+        </a:xfrm>
+      </p:grpSpPr>
+      <p:sp>
+        <p:nvSpPr>
+          <p:cNvPr id="2" name="Header Placeholder 1"/>
+          <p:cNvSpPr>
+            <a:spLocks noGrp="1"/>
+          </p:cNvSpPr>
+          <p:nvPr>
+            <p:ph type="hdr" sz="quarter"/>
+          </p:nvPr>
+        </p:nvSpPr>
+        <p:spPr>
+          <a:xfrm>
+            <a:off x="0" y="0"/>
+            <a:ext cx="2971800" cy="458788"/>
+          </a:xfrm>
+          <a:prstGeom prst="rect">
+            <a:avLst/>
+          </a:prstGeom>
+        </p:spPr>
+        <p:txBody>
+          <a:bodyPr vert="horz" lIns="91440" tIns="45720" rIns="91440" bIns="45720" rtlCol="0"/>
+          <a:lstStyle>
+            <a:lvl1pPr algn="l">
+              <a:defRPr sz="1200"/>
+            </a:lvl1pPr>
+          </a:lstStyle>
+          <a:p>
+            <a:endParaRPr lang="en-US"/>
+          </a:p>
+        </p:txBody>
+      </p:sp>
+      <p:sp>
+        <p:nvSpPr>
+          <p:cNvPr id="3" name="Date Placeholder 2"/>
+          <p:cNvSpPr>
+            <a:spLocks noGrp="1"/>
+          </p:cNvSpPr>
+          <p:nvPr>
+            <p:ph type="dt" idx="1"/>
+          </p:nvPr>
+        </p:nvSpPr>
+        <p:spPr>
+          <a:xfrm>
+            <a:off x="3884613" y="0"/>
+            <a:ext cx="2971800" cy="458788"/>
+          </a:xfrm>
+          <a:prstGeom prst="rect">
+            <a:avLst/>
+          </a:prstGeom>
+        </p:spPr>
+        <p:txBody>
+          <a:bodyPr vert="horz" lIns="91440" tIns="45720" rIns="91440" bIns="45720" rtlCol="0"/>
+          <a:lstStyle>
+            <a:lvl1pPr algn="r">
+              <a:defRPr sz="1200"/>
+            </a:lvl1pPr>
+          </a:lstStyle>
+          <a:p>
+            <a:fld id="{7A21A61D-48BB-6B47-8748-283D5E7FF408}" type="datetimeFigureOut">
+              <a:rPr lang="en-US" smtClean="0"/>
+              <a:t>10/4/24</a:t>
+            </a:fld>
+            <a:endParaRPr lang="en-US"/>
+          </a:p>
+        </p:txBody>
+      </p:sp>
+      <p:sp>
+        <p:nvSpPr>
+          <p:cNvPr id="4" name="Slide Image Placeholder 3"/>
+          <p:cNvSpPr>
+            <a:spLocks noGrp="1" noRot="1" noChangeAspect="1"/>
+          </p:cNvSpPr>
+          <p:nvPr>
+            <p:ph type="sldImg" idx="2"/>
+          </p:nvPr>
+        </p:nvSpPr>
+        <p:spPr>
+          <a:xfrm>
+            <a:off x="685800" y="1143000"/>
+            <a:ext cx="5486400" cy="3086100"/>
+          </a:xfrm>
+          <a:prstGeom prst="rect">
+            <a:avLst/>
+          </a:prstGeom>
+          <a:noFill/>
+          <a:ln w="12700">
+            <a:solidFill>
+              <a:prstClr val="black"/>
+            </a:solidFill>
+          </a:ln>
+        </p:spPr>
+        <p:txBody>
+          <a:bodyPr vert="horz" lIns="91440" tIns="45720" rIns="91440" bIns="45720" rtlCol="0" anchor="ctr"/>
+          <a:lstStyle/>
+          <a:p>
+            <a:endParaRPr lang="en-US"/>
+          </a:p>
+        </p:txBody>
+      </p:sp>
+      <p:sp>
+        <p:nvSpPr>
+          <p:cNvPr id="5" name="Notes Placeholder 4"/>
+          <p:cNvSpPr>
+            <a:spLocks noGrp="1"/>
+          </p:cNvSpPr>
+          <p:nvPr>
+            <p:ph type="body" sz="quarter" idx="3"/>
+          </p:nvPr>
+        </p:nvSpPr>
+        <p:spPr>
+          <a:xfrm>
+            <a:off x="685800" y="4400550"/>
+            <a:ext cx="5486400" cy="3600450"/>
+          </a:xfrm>
+          <a:prstGeom prst="rect">
+            <a:avLst/>
+          </a:prstGeom>
+        </p:spPr>
+        <p:txBody>
+          <a:bodyPr vert="horz" lIns="91440" tIns="45720" rIns="91440" bIns="45720" rtlCol="0"/>
+          <a:lstStyle/>
+          <a:p>
+            <a:pPr lvl="0"/>
+            <a:r>
+              <a:rPr lang="en-US"/>
+              <a:t>Click to edit Master text styles</a:t>
+            </a:r>
+          </a:p>
+          <a:p>
+            <a:pPr lvl="1"/>
+            <a:r>
+              <a:rPr lang="en-US"/>
+              <a:t>Second level</a:t>
+            </a:r>
+          </a:p>
+          <a:p>
+            <a:pPr lvl="2"/>
+            <a:r>
+              <a:rPr lang="en-US"/>
+              <a:t>Third level</a:t>
+            </a:r>
+          </a:p>
+          <a:p>
+            <a:pPr lvl="3"/>
+            <a:r>
+              <a:rPr lang="en-US"/>
+              <a:t>Fourth level</a:t>
+            </a:r>
+          </a:p>
+          <a:p>
+            <a:pPr lvl="4"/>
+            <a:r>
+              <a:rPr lang="en-US"/>
+              <a:t>Fifth level</a:t>
+            </a:r>
+          </a:p>
+        </p:txBody>
+      </p:sp>
+      <p:sp>
+        <p:nvSpPr>
+          <p:cNvPr id="6" name="Footer Placeholder 5"/>
+          <p:cNvSpPr>
+            <a:spLocks noGrp="1"/>
+          </p:cNvSpPr>
+          <p:nvPr>
+            <p:ph type="ftr" sz="quarter" idx="4"/>
+          </p:nvPr>
+        </p:nvSpPr>
+        <p:spPr>
+          <a:xfrm>
+            <a:off x="0" y="8685213"/>
+            <a:ext cx="2971800" cy="458787"/>
+          </a:xfrm>
+          <a:prstGeom prst="rect">
+            <a:avLst/>
+          </a:prstGeom>
+        </p:spPr>
+        <p:txBody>
+          <a:bodyPr vert="horz" lIns="91440" tIns="45720" rIns="91440" bIns="45720" rtlCol="0" anchor="b"/>
+          <a:lstStyle>
+            <a:lvl1pPr algn="l">
+              <a:defRPr sz="1200"/>
+            </a:lvl1pPr>
+          </a:lstStyle>
+          <a:p>
+            <a:endParaRPr lang="en-US"/>
+          </a:p>
+        </p:txBody>
+      </p:sp>
+      <p:sp>
+        <p:nvSpPr>
+          <p:cNvPr id="7" name="Slide Number Placeholder 6"/>
+          <p:cNvSpPr>
+            <a:spLocks noGrp="1"/>
+          </p:cNvSpPr>
+          <p:nvPr>
+            <p:ph type="sldNum" sz="quarter" idx="5"/>
+          </p:nvPr>
+        </p:nvSpPr>
+        <p:spPr>
+          <a:xfrm>
+            <a:off x="3884613" y="8685213"/>
+            <a:ext cx="2971800" cy="458787"/>
+          </a:xfrm>
+          <a:prstGeom prst="rect">
+            <a:avLst/>
+          </a:prstGeom>
+        </p:spPr>
+        <p:txBody>
+          <a:bodyPr vert="horz" lIns="91440" tIns="45720" rIns="91440" bIns="45720" rtlCol="0" anchor="b"/>
+          <a:lstStyle>
+            <a:lvl1pPr algn="r">
+              <a:defRPr sz="1200"/>
+            </a:lvl1pPr>
+          </a:lstStyle>
+          <a:p>
+            <a:fld id="{C5799C74-2302-9D4F-BAFB-6BF6437BDCD6}" type="slidenum">
+              <a:rPr lang="en-US" smtClean="0"/>
+              <a:t>‹#›</a:t>
+            </a:fld>
+            <a:endParaRPr lang="en-US"/>
+          </a:p>
+        </p:txBody>
+      </p:sp>
+    </p:spTree>
+    <p:extLst>
+      <p:ext uri="{BB962C8B-B14F-4D97-AF65-F5344CB8AC3E}">
+        <p14:creationId xmlns:p14="http://schemas.microsoft.com/office/powerpoint/2010/main" val="1865558001"/>
+      </p:ext>
+    </p:extLst>
+  </p:cSld>
+  <p:clrMap bg1="lt1" tx1="dk1" bg2="lt2" tx2="dk2" accent1="accent1" accent2="accent2" accent3="accent3" accent4="accent4" accent5="accent5" accent6="accent6" hlink="hlink" folHlink="folHlink"/>
+  <p:notesStyle>
+    <a:lvl1pPr marL="0" algn="l" defTabSz="914400" rtl="0" eaLnBrk="1" latinLnBrk="0" hangingPunct="1">
+      <a:defRPr sz="1200" kern="1200">
+        <a:solidFill>
+          <a:schemeClr val="tx1"/>
+        </a:solidFill>
+        <a:latin typeface="+mn-lt"/>
+        <a:ea typeface="+mn-ea"/>
+        <a:cs typeface="+mn-cs"/>
+      </a:defRPr>
+    </a:lvl1pPr>
+    <a:lvl2pPr marL="457200" algn="l" defTabSz="914400" rtl="0" eaLnBrk="1" latinLnBrk="0" hangingPunct="1">
+      <a:defRPr sz="1200" kern="1200">
+        <a:solidFill>
+          <a:schemeClr val="tx1"/>
+        </a:solidFill>
+        <a:latin typeface="+mn-lt"/>
+        <a:ea typeface="+mn-ea"/>
+        <a:cs typeface="+mn-cs"/>
+      </a:defRPr>
+    </a:lvl2pPr>
+    <a:lvl3pPr marL="914400" algn="l" defTabSz="914400" rtl="0" eaLnBrk="1" latinLnBrk="0" hangingPunct="1">
+      <a:defRPr sz="1200" kern="1200">
+        <a:solidFill>
+          <a:schemeClr val="tx1"/>
+        </a:solidFill>
+        <a:latin typeface="+mn-lt"/>
+        <a:ea typeface="+mn-ea"/>
+        <a:cs typeface="+mn-cs"/>
+      </a:defRPr>
+    </a:lvl3pPr>
+    <a:lvl4pPr marL="1371600" algn="l" defTabSz="914400" rtl="0" eaLnBrk="1" latinLnBrk="0" hangingPunct="1">
+      <a:defRPr sz="1200" kern="1200">
+        <a:solidFill>
+          <a:schemeClr val="tx1"/>
+        </a:solidFill>
+        <a:latin typeface="+mn-lt"/>
+        <a:ea typeface="+mn-ea"/>
+        <a:cs typeface="+mn-cs"/>
+      </a:defRPr>
+    </a:lvl4pPr>
+    <a:lvl5pPr marL="1828800" algn="l" defTabSz="914400" rtl="0" eaLnBrk="1" latinLnBrk="0" hangingPunct="1">
+      <a:defRPr sz="1200" kern="1200">
+        <a:solidFill>
+          <a:schemeClr val="tx1"/>
+        </a:solidFill>
+        <a:latin typeface="+mn-lt"/>
+        <a:ea typeface="+mn-ea"/>
+        <a:cs typeface="+mn-cs"/>
+      </a:defRPr>
+    </a:lvl5pPr>
+    <a:lvl6pPr marL="2286000" algn="l" defTabSz="914400" rtl="0" eaLnBrk="1" latinLnBrk="0" hangingPunct="1">
+      <a:defRPr sz="1200" kern="1200">
+        <a:solidFill>
+          <a:schemeClr val="tx1"/>
+        </a:solidFill>
+        <a:latin typeface="+mn-lt"/>
+        <a:ea typeface="+mn-ea"/>
+        <a:cs typeface="+mn-cs"/>
+      </a:defRPr>
+    </a:lvl6pPr>
+    <a:lvl7pPr marL="2743200" algn="l" defTabSz="914400" rtl="0" eaLnBrk="1" latinLnBrk="0" hangingPunct="1">
+      <a:defRPr sz="1200" kern="1200">
+        <a:solidFill>
+          <a:schemeClr val="tx1"/>
+        </a:solidFill>
+        <a:latin typeface="+mn-lt"/>
+        <a:ea typeface="+mn-ea"/>
+        <a:cs typeface="+mn-cs"/>
+      </a:defRPr>
+    </a:lvl7pPr>
+    <a:lvl8pPr marL="3200400" algn="l" defTabSz="914400" rtl="0" eaLnBrk="1" latinLnBrk="0" hangingPunct="1">
+      <a:defRPr sz="1200" kern="1200">
+        <a:solidFill>
+          <a:schemeClr val="tx1"/>
+        </a:solidFill>
+        <a:latin typeface="+mn-lt"/>
+        <a:ea typeface="+mn-ea"/>
+        <a:cs typeface="+mn-cs"/>
+      </a:defRPr>
+    </a:lvl8pPr>
+    <a:lvl9pPr marL="3657600" algn="l" defTabSz="914400" rtl="0" eaLnBrk="1" latinLnBrk="0" hangingPunct="1">
+      <a:defRPr sz="1200" kern="1200">
+        <a:solidFill>
+          <a:schemeClr val="tx1"/>
+        </a:solidFill>
+        <a:latin typeface="+mn-lt"/>
+        <a:ea typeface="+mn-ea"/>
+        <a:cs typeface="+mn-cs"/>
+      </a:defRPr>
+    </a:lvl9pPr>
+  </p:notesStyle>
+</p:notesMaster>
+</file>
+
+<file path=ppt/notesSlides/notesSlide1.xml><?xml version="1.0" encoding="utf-8"?>
+<p:notes xmlns:a="http://schemas.openxmlformats.org/drawingml/2006/main" xmlns:r="http://schemas.openxmlformats.org/officeDocument/2006/relationships" xmlns:p="http://schemas.openxmlformats.org/presentationml/2006/main">
+  <p:cSld>
+    <p:spTree>
+      <p:nvGrpSpPr>
+        <p:cNvPr id="1" name=""/>
+        <p:cNvGrpSpPr/>
+        <p:nvPr/>
+      </p:nvGrpSpPr>
+      <p:grpSpPr>
+        <a:xfrm>
+          <a:off x="0" y="0"/>
+          <a:ext cx="0" cy="0"/>
+          <a:chOff x="0" y="0"/>
+          <a:chExt cx="0" cy="0"/>
+        </a:xfrm>
+      </p:grpSpPr>
+      <p:sp>
+        <p:nvSpPr>
+          <p:cNvPr id="2" name="Slide Image Placeholder 1"/>
+          <p:cNvSpPr>
+            <a:spLocks noGrp="1" noRot="1" noChangeAspect="1"/>
+          </p:cNvSpPr>
+          <p:nvPr>
+            <p:ph type="sldImg"/>
+          </p:nvPr>
+        </p:nvSpPr>
+        <p:spPr/>
+      </p:sp>
+      <p:sp>
+        <p:nvSpPr>
+          <p:cNvPr id="3" name="Notes Placeholder 2"/>
+          <p:cNvSpPr>
+            <a:spLocks noGrp="1"/>
+          </p:cNvSpPr>
+          <p:nvPr>
+            <p:ph type="body" idx="1"/>
+          </p:nvPr>
+        </p:nvSpPr>
+        <p:spPr/>
+        <p:txBody>
+          <a:bodyPr/>
+          <a:lstStyle/>
+          <a:p>
+            <a:r>
+              <a:rPr lang="en-US" dirty="0"/>
+              <a:t>Exciting Opportunity</a:t>
+            </a:r>
+          </a:p>
+          <a:p>
+            <a:r>
+              <a:rPr lang="en-US" dirty="0"/>
+              <a:t>Potential Partners</a:t>
+            </a:r>
+          </a:p>
+          <a:p>
+            <a:r>
+              <a:rPr lang="en-US" dirty="0"/>
+              <a:t>Studios bring expertise to process</a:t>
+            </a:r>
+          </a:p>
+        </p:txBody>
+      </p:sp>
+      <p:sp>
+        <p:nvSpPr>
+          <p:cNvPr id="4" name="Slide Number Placeholder 3"/>
+          <p:cNvSpPr>
+            <a:spLocks noGrp="1"/>
+          </p:cNvSpPr>
+          <p:nvPr>
+            <p:ph type="sldNum" sz="quarter" idx="5"/>
+          </p:nvPr>
+        </p:nvSpPr>
+        <p:spPr/>
+        <p:txBody>
+          <a:bodyPr/>
+          <a:lstStyle/>
+          <a:p>
+            <a:fld id="{C5799C74-2302-9D4F-BAFB-6BF6437BDCD6}" type="slidenum">
+              <a:rPr lang="en-US" smtClean="0"/>
+              <a:t>1</a:t>
+            </a:fld>
+            <a:endParaRPr lang="en-US"/>
+          </a:p>
+        </p:txBody>
+      </p:sp>
+    </p:spTree>
+    <p:extLst>
+      <p:ext uri="{BB962C8B-B14F-4D97-AF65-F5344CB8AC3E}">
+        <p14:creationId xmlns:p14="http://schemas.microsoft.com/office/powerpoint/2010/main" val="396918459"/>
+      </p:ext>
+    </p:extLst>
+  </p:cSld>
+  <p:clrMapOvr>
+    <a:masterClrMapping/>
+  </p:clrMapOvr>
+</p:notes>
 </file>
 
 <file path=ppt/slideLayouts/slideLayout1.xml><?xml version="1.0" encoding="utf-8"?>
@@ -3321,6 +3771,14 @@
 <file path=ppt/slides/slide1.xml><?xml version="1.0" encoding="utf-8"?>
 <p:sld xmlns:a="http://schemas.openxmlformats.org/drawingml/2006/main" xmlns:r="http://schemas.openxmlformats.org/officeDocument/2006/relationships" xmlns:p="http://schemas.openxmlformats.org/presentationml/2006/main">
   <p:cSld>
+    <p:bg>
+      <p:bgPr>
+        <a:solidFill>
+          <a:schemeClr val="bg1"/>
+        </a:solidFill>
+        <a:effectLst/>
+      </p:bgPr>
+    </p:bg>
     <p:spTree>
       <p:nvGrpSpPr>
         <p:cNvPr id="1" name=""/>
@@ -3335,6 +3793,66 @@
           <a:chExt cx="0" cy="0"/>
         </a:xfrm>
       </p:grpSpPr>
+      <p:sp useBgFill="1">
+        <p:nvSpPr>
+          <p:cNvPr id="12" name="Rectangle 11">
+            <a:extLst>
+              <a:ext uri="{FF2B5EF4-FFF2-40B4-BE49-F238E27FC236}">
+                <a16:creationId xmlns:a16="http://schemas.microsoft.com/office/drawing/2014/main" id="{74751229-0244-4FBB-BED1-407467F4C951}"/>
+              </a:ext>
+              <a:ext uri="{C183D7F6-B498-43B3-948B-1728B52AA6E4}">
+                <adec:decorative xmlns:adec="http://schemas.microsoft.com/office/drawing/2017/decorative" val="1"/>
+              </a:ext>
+            </a:extLst>
+          </p:cNvPr>
+          <p:cNvSpPr>
+            <a:spLocks noGrp="1" noRot="1" noChangeAspect="1" noMove="1" noResize="1" noEditPoints="1" noAdjustHandles="1" noChangeArrowheads="1" noChangeShapeType="1" noTextEdit="1"/>
+          </p:cNvSpPr>
+          <p:nvPr>
+            <p:extLst>
+              <p:ext uri="{386F3935-93C4-4BCD-93E2-E3B085C9AB24}">
+                <p16:designElem xmlns:p16="http://schemas.microsoft.com/office/powerpoint/2015/main" val="1"/>
+              </p:ext>
+            </p:extLst>
+          </p:nvPr>
+        </p:nvSpPr>
+        <p:spPr>
+          <a:xfrm>
+            <a:off x="0" y="0"/>
+            <a:ext cx="12188952" cy="6858000"/>
+          </a:xfrm>
+          <a:prstGeom prst="rect">
+            <a:avLst/>
+          </a:prstGeom>
+          <a:ln>
+            <a:noFill/>
+          </a:ln>
+        </p:spPr>
+        <p:style>
+          <a:lnRef idx="2">
+            <a:schemeClr val="accent1">
+              <a:shade val="50000"/>
+            </a:schemeClr>
+          </a:lnRef>
+          <a:fillRef idx="1">
+            <a:schemeClr val="accent1"/>
+          </a:fillRef>
+          <a:effectRef idx="0">
+            <a:schemeClr val="accent1"/>
+          </a:effectRef>
+          <a:fontRef idx="minor">
+            <a:schemeClr val="lt1"/>
+          </a:fontRef>
+        </p:style>
+        <p:txBody>
+          <a:bodyPr rtlCol="0" anchor="ctr"/>
+          <a:lstStyle/>
+          <a:p>
+            <a:pPr algn="ctr"/>
+            <a:endParaRPr lang="en-US"/>
+          </a:p>
+        </p:txBody>
+      </p:sp>
       <p:sp>
         <p:nvSpPr>
           <p:cNvPr id="2" name="Title 1">
@@ -3351,13 +3869,21 @@
             <p:ph type="ctrTitle"/>
           </p:nvPr>
         </p:nvSpPr>
-        <p:spPr/>
-        <p:txBody>
-          <a:bodyPr/>
-          <a:lstStyle/>
-          <a:p>
-            <a:r>
-              <a:rPr lang="en-US" dirty="0"/>
+        <p:spPr>
+          <a:xfrm>
+            <a:off x="2197101" y="735283"/>
+            <a:ext cx="4978399" cy="3165045"/>
+          </a:xfrm>
+        </p:spPr>
+        <p:txBody>
+          <a:bodyPr anchor="b">
+            <a:normAutofit/>
+          </a:bodyPr>
+          <a:lstStyle/>
+          <a:p>
+            <a:pPr algn="l"/>
+            <a:r>
+              <a:rPr lang="en-US" sz="5200"/>
               <a:t>Movie Pitch</a:t>
             </a:r>
           </a:p>
@@ -3379,11 +3905,19 @@
             <p:ph type="subTitle" idx="1"/>
           </p:nvPr>
         </p:nvSpPr>
-        <p:spPr/>
-        <p:txBody>
-          <a:bodyPr/>
-          <a:lstStyle/>
-          <a:p>
+        <p:spPr>
+          <a:xfrm>
+            <a:off x="2197101" y="4078423"/>
+            <a:ext cx="4978399" cy="2058657"/>
+          </a:xfrm>
+        </p:spPr>
+        <p:txBody>
+          <a:bodyPr>
+            <a:normAutofit/>
+          </a:bodyPr>
+          <a:lstStyle/>
+          <a:p>
+            <a:pPr algn="l"/>
             <a:r>
               <a:rPr lang="en-US" dirty="0"/>
               <a:t>Jeffrey </a:t>
@@ -3392,97 +3926,102 @@
               <a:rPr lang="en-US" dirty="0" err="1"/>
               <a:t>Goett</a:t>
             </a:r>
-            <a:endParaRPr lang="en-US" dirty="0"/>
-          </a:p>
-        </p:txBody>
-      </p:sp>
+            <a:endParaRPr lang="en-US"/>
+          </a:p>
+        </p:txBody>
+      </p:sp>
+      <p:pic>
+        <p:nvPicPr>
+          <p:cNvPr id="7" name="Graphic 6" descr="Video camera">
+            <a:extLst>
+              <a:ext uri="{FF2B5EF4-FFF2-40B4-BE49-F238E27FC236}">
+                <a16:creationId xmlns:a16="http://schemas.microsoft.com/office/drawing/2014/main" id="{B20EBB38-CBD2-E224-CDB0-6C0BFADD7157}"/>
+              </a:ext>
+            </a:extLst>
+          </p:cNvPr>
+          <p:cNvPicPr>
+            <a:picLocks noChangeAspect="1"/>
+          </p:cNvPicPr>
+          <p:nvPr/>
+        </p:nvPicPr>
+        <p:blipFill>
+          <a:blip r:embed="rId3">
+            <a:extLst>
+              <a:ext uri="{28A0092B-C50C-407E-A947-70E740481C1C}">
+                <a14:useLocalDpi xmlns:a14="http://schemas.microsoft.com/office/drawing/2010/main" val="0"/>
+              </a:ext>
+              <a:ext uri="{96DAC541-7B7A-43D3-8B79-37D633B846F1}">
+                <asvg:svgBlip xmlns:asvg="http://schemas.microsoft.com/office/drawing/2016/SVG/main" r:embed="rId4"/>
+              </a:ext>
+            </a:extLst>
+          </a:blip>
+          <a:stretch>
+            <a:fillRect/>
+          </a:stretch>
+        </p:blipFill>
+        <p:spPr>
+          <a:xfrm>
+            <a:off x="717549" y="2776619"/>
+            <a:ext cx="1289051" cy="1289051"/>
+          </a:xfrm>
+          <a:prstGeom prst="rect">
+            <a:avLst/>
+          </a:prstGeom>
+        </p:spPr>
+      </p:pic>
+      <p:pic>
+        <p:nvPicPr>
+          <p:cNvPr id="9" name="Graphic 8" descr="Video camera">
+            <a:extLst>
+              <a:ext uri="{FF2B5EF4-FFF2-40B4-BE49-F238E27FC236}">
+                <a16:creationId xmlns:a16="http://schemas.microsoft.com/office/drawing/2014/main" id="{59F27625-8932-4F6E-9172-7E13B061B6F0}"/>
+              </a:ext>
+              <a:ext uri="{C183D7F6-B498-43B3-948B-1728B52AA6E4}">
+                <adec:decorative xmlns:adec="http://schemas.microsoft.com/office/drawing/2017/decorative" val="1"/>
+              </a:ext>
+            </a:extLst>
+          </p:cNvPr>
+          <p:cNvPicPr>
+            <a:picLocks noGrp="1" noRot="1" noChangeAspect="1" noMove="1" noResize="1" noEditPoints="1" noAdjustHandles="1" noChangeArrowheads="1" noChangeShapeType="1" noCrop="1"/>
+          </p:cNvPicPr>
+          <p:nvPr>
+            <p:extLst>
+              <p:ext uri="{386F3935-93C4-4BCD-93E2-E3B085C9AB24}">
+                <p16:designElem xmlns:p16="http://schemas.microsoft.com/office/powerpoint/2015/main" val="1"/>
+              </p:ext>
+            </p:extLst>
+          </p:nvPr>
+        </p:nvPicPr>
+        <p:blipFill>
+          <a:blip r:embed="rId3">
+            <a:alphaModFix amt="15000"/>
+            <a:extLst>
+              <a:ext uri="{28A0092B-C50C-407E-A947-70E740481C1C}">
+                <a14:useLocalDpi xmlns:a14="http://schemas.microsoft.com/office/drawing/2010/main" val="0"/>
+              </a:ext>
+              <a:ext uri="{96DAC541-7B7A-43D3-8B79-37D633B846F1}">
+                <asvg:svgBlip xmlns:asvg="http://schemas.microsoft.com/office/drawing/2016/SVG/main" r:embed="rId4"/>
+              </a:ext>
+            </a:extLst>
+          </a:blip>
+          <a:stretch>
+            <a:fillRect/>
+          </a:stretch>
+        </p:blipFill>
+        <p:spPr>
+          <a:xfrm>
+            <a:off x="6607815" y="716407"/>
+            <a:ext cx="5411343" cy="5411343"/>
+          </a:xfrm>
+          <a:prstGeom prst="rect">
+            <a:avLst/>
+          </a:prstGeom>
+        </p:spPr>
+      </p:pic>
     </p:spTree>
     <p:extLst>
       <p:ext uri="{BB962C8B-B14F-4D97-AF65-F5344CB8AC3E}">
         <p14:creationId xmlns:p14="http://schemas.microsoft.com/office/powerpoint/2010/main" val="1973938384"/>
-      </p:ext>
-    </p:extLst>
-  </p:cSld>
-  <p:clrMapOvr>
-    <a:masterClrMapping/>
-  </p:clrMapOvr>
-</p:sld>
-</file>
-
-<file path=ppt/slides/slide10.xml><?xml version="1.0" encoding="utf-8"?>
-<p:sld xmlns:a="http://schemas.openxmlformats.org/drawingml/2006/main" xmlns:r="http://schemas.openxmlformats.org/officeDocument/2006/relationships" xmlns:p="http://schemas.openxmlformats.org/presentationml/2006/main">
-  <p:cSld>
-    <p:spTree>
-      <p:nvGrpSpPr>
-        <p:cNvPr id="1" name=""/>
-        <p:cNvGrpSpPr/>
-        <p:nvPr/>
-      </p:nvGrpSpPr>
-      <p:grpSpPr>
-        <a:xfrm>
-          <a:off x="0" y="0"/>
-          <a:ext cx="0" cy="0"/>
-          <a:chOff x="0" y="0"/>
-          <a:chExt cx="0" cy="0"/>
-        </a:xfrm>
-      </p:grpSpPr>
-      <p:sp>
-        <p:nvSpPr>
-          <p:cNvPr id="2" name="Title 1">
-            <a:extLst>
-              <a:ext uri="{FF2B5EF4-FFF2-40B4-BE49-F238E27FC236}">
-                <a16:creationId xmlns:a16="http://schemas.microsoft.com/office/drawing/2014/main" id="{2977022E-A290-EA34-E1A0-D471E8C7144D}"/>
-              </a:ext>
-            </a:extLst>
-          </p:cNvPr>
-          <p:cNvSpPr>
-            <a:spLocks noGrp="1"/>
-          </p:cNvSpPr>
-          <p:nvPr>
-            <p:ph type="title"/>
-          </p:nvPr>
-        </p:nvSpPr>
-        <p:spPr/>
-        <p:txBody>
-          <a:bodyPr/>
-          <a:lstStyle/>
-          <a:p>
-            <a:r>
-              <a:rPr lang="en-US" dirty="0"/>
-              <a:t>Thank You!</a:t>
-            </a:r>
-          </a:p>
-        </p:txBody>
-      </p:sp>
-      <p:sp>
-        <p:nvSpPr>
-          <p:cNvPr id="3" name="Content Placeholder 2">
-            <a:extLst>
-              <a:ext uri="{FF2B5EF4-FFF2-40B4-BE49-F238E27FC236}">
-                <a16:creationId xmlns:a16="http://schemas.microsoft.com/office/drawing/2014/main" id="{62440D31-3A04-3292-1BC2-E44B4F37D566}"/>
-              </a:ext>
-            </a:extLst>
-          </p:cNvPr>
-          <p:cNvSpPr>
-            <a:spLocks noGrp="1"/>
-          </p:cNvSpPr>
-          <p:nvPr>
-            <p:ph idx="1"/>
-          </p:nvPr>
-        </p:nvSpPr>
-        <p:spPr/>
-        <p:txBody>
-          <a:bodyPr/>
-          <a:lstStyle/>
-          <a:p>
-            <a:endParaRPr lang="en-US"/>
-          </a:p>
-        </p:txBody>
-      </p:sp>
-    </p:spTree>
-    <p:extLst>
-      <p:ext uri="{BB962C8B-B14F-4D97-AF65-F5344CB8AC3E}">
-        <p14:creationId xmlns:p14="http://schemas.microsoft.com/office/powerpoint/2010/main" val="4202594647"/>
       </p:ext>
     </p:extLst>
   </p:cSld>
@@ -3751,131 +4290,6 @@
   <p:cSld>
     <p:spTree>
       <p:nvGrpSpPr>
-        <p:cNvPr id="1" name=""/>
-        <p:cNvGrpSpPr/>
-        <p:nvPr/>
-      </p:nvGrpSpPr>
-      <p:grpSpPr>
-        <a:xfrm>
-          <a:off x="0" y="0"/>
-          <a:ext cx="0" cy="0"/>
-          <a:chOff x="0" y="0"/>
-          <a:chExt cx="0" cy="0"/>
-        </a:xfrm>
-      </p:grpSpPr>
-      <p:sp>
-        <p:nvSpPr>
-          <p:cNvPr id="2" name="Title 1">
-            <a:extLst>
-              <a:ext uri="{FF2B5EF4-FFF2-40B4-BE49-F238E27FC236}">
-                <a16:creationId xmlns:a16="http://schemas.microsoft.com/office/drawing/2014/main" id="{CDE212B4-C1ED-B253-C28A-8E24939E87D0}"/>
-              </a:ext>
-            </a:extLst>
-          </p:cNvPr>
-          <p:cNvSpPr>
-            <a:spLocks noGrp="1"/>
-          </p:cNvSpPr>
-          <p:nvPr>
-            <p:ph type="title"/>
-          </p:nvPr>
-        </p:nvSpPr>
-        <p:spPr>
-          <a:xfrm>
-            <a:off x="838200" y="198865"/>
-            <a:ext cx="10515600" cy="1325563"/>
-          </a:xfrm>
-        </p:spPr>
-        <p:txBody>
-          <a:bodyPr/>
-          <a:lstStyle/>
-          <a:p>
-            <a:r>
-              <a:rPr lang="en-US" dirty="0"/>
-              <a:t>Studio Overview</a:t>
-            </a:r>
-          </a:p>
-        </p:txBody>
-      </p:sp>
-      <p:sp>
-        <p:nvSpPr>
-          <p:cNvPr id="3" name="Content Placeholder 2">
-            <a:extLst>
-              <a:ext uri="{FF2B5EF4-FFF2-40B4-BE49-F238E27FC236}">
-                <a16:creationId xmlns:a16="http://schemas.microsoft.com/office/drawing/2014/main" id="{378C88C6-A7B5-78C4-14F4-A90FCF2E4533}"/>
-              </a:ext>
-            </a:extLst>
-          </p:cNvPr>
-          <p:cNvSpPr>
-            <a:spLocks noGrp="1"/>
-          </p:cNvSpPr>
-          <p:nvPr>
-            <p:ph idx="1"/>
-          </p:nvPr>
-        </p:nvSpPr>
-        <p:spPr>
-          <a:xfrm>
-            <a:off x="838200" y="1022443"/>
-            <a:ext cx="10515600" cy="4351338"/>
-          </a:xfrm>
-        </p:spPr>
-        <p:txBody>
-          <a:bodyPr/>
-          <a:lstStyle/>
-          <a:p>
-            <a:r>
-              <a:rPr lang="en-US" dirty="0"/>
-              <a:t>Major American Studios make a wide range of movies.</a:t>
-            </a:r>
-          </a:p>
-        </p:txBody>
-      </p:sp>
-      <p:pic>
-        <p:nvPicPr>
-          <p:cNvPr id="6" name="Picture 5" descr="A comparison of a graph&#10;&#10;Description automatically generated with medium confidence">
-            <a:extLst>
-              <a:ext uri="{FF2B5EF4-FFF2-40B4-BE49-F238E27FC236}">
-                <a16:creationId xmlns:a16="http://schemas.microsoft.com/office/drawing/2014/main" id="{BE091E4C-C86E-EA9A-A197-CF3AEF2EE5F6}"/>
-              </a:ext>
-            </a:extLst>
-          </p:cNvPr>
-          <p:cNvPicPr>
-            <a:picLocks noChangeAspect="1"/>
-          </p:cNvPicPr>
-          <p:nvPr/>
-        </p:nvPicPr>
-        <p:blipFill>
-          <a:blip r:embed="rId2"/>
-          <a:srcRect r="51049"/>
-          <a:stretch/>
-        </p:blipFill>
-        <p:spPr>
-          <a:xfrm>
-            <a:off x="2453275" y="1429987"/>
-            <a:ext cx="6829271" cy="5428013"/>
-          </a:xfrm>
-          <a:prstGeom prst="rect">
-            <a:avLst/>
-          </a:prstGeom>
-        </p:spPr>
-      </p:pic>
-    </p:spTree>
-    <p:extLst>
-      <p:ext uri="{BB962C8B-B14F-4D97-AF65-F5344CB8AC3E}">
-        <p14:creationId xmlns:p14="http://schemas.microsoft.com/office/powerpoint/2010/main" val="447353515"/>
-      </p:ext>
-    </p:extLst>
-  </p:cSld>
-  <p:clrMapOvr>
-    <a:masterClrMapping/>
-  </p:clrMapOvr>
-</p:sld>
-</file>
-
-<file path=ppt/slides/slide5.xml><?xml version="1.0" encoding="utf-8"?>
-<p:sld xmlns:a="http://schemas.openxmlformats.org/drawingml/2006/main" xmlns:r="http://schemas.openxmlformats.org/officeDocument/2006/relationships" xmlns:p="http://schemas.openxmlformats.org/presentationml/2006/main">
-  <p:cSld>
-    <p:spTree>
-      <p:nvGrpSpPr>
         <p:cNvPr id="1" name="">
           <a:extLst>
             <a:ext uri="{FF2B5EF4-FFF2-40B4-BE49-F238E27FC236}">
@@ -3894,12 +4308,45 @@
           <a:chExt cx="0" cy="0"/>
         </a:xfrm>
       </p:grpSpPr>
+      <p:sp>
+        <p:nvSpPr>
+          <p:cNvPr id="3" name="Content Placeholder 2">
+            <a:extLst>
+              <a:ext uri="{FF2B5EF4-FFF2-40B4-BE49-F238E27FC236}">
+                <a16:creationId xmlns:a16="http://schemas.microsoft.com/office/drawing/2014/main" id="{DA1414B7-162D-032D-CD96-DB968086F2AC}"/>
+              </a:ext>
+            </a:extLst>
+          </p:cNvPr>
+          <p:cNvSpPr>
+            <a:spLocks noGrp="1"/>
+          </p:cNvSpPr>
+          <p:nvPr>
+            <p:ph idx="1"/>
+          </p:nvPr>
+        </p:nvSpPr>
+        <p:spPr>
+          <a:xfrm>
+            <a:off x="838200" y="1008584"/>
+            <a:ext cx="3837972" cy="4351338"/>
+          </a:xfrm>
+        </p:spPr>
+        <p:txBody>
+          <a:bodyPr/>
+          <a:lstStyle/>
+          <a:p>
+            <a:r>
+              <a:rPr lang="en-US" dirty="0"/>
+              <a:t>Good ROI: Budgets under $12 Million</a:t>
+            </a:r>
+          </a:p>
+        </p:txBody>
+      </p:sp>
       <p:pic>
         <p:nvPicPr>
-          <p:cNvPr id="6" name="Picture 5" descr="A comparison of a graph&#10;&#10;Description automatically generated with medium confidence">
-            <a:extLst>
-              <a:ext uri="{FF2B5EF4-FFF2-40B4-BE49-F238E27FC236}">
-                <a16:creationId xmlns:a16="http://schemas.microsoft.com/office/drawing/2014/main" id="{08DBA939-73ED-A90C-B86C-145F238DB920}"/>
+          <p:cNvPr id="8" name="Picture 7" descr="A comparison of different colored bars&#10;&#10;Description automatically generated">
+            <a:extLst>
+              <a:ext uri="{FF2B5EF4-FFF2-40B4-BE49-F238E27FC236}">
+                <a16:creationId xmlns:a16="http://schemas.microsoft.com/office/drawing/2014/main" id="{BD09BDB5-6A86-13C4-CB73-A3F7E05B4CD7}"/>
               </a:ext>
             </a:extLst>
           </p:cNvPr>
@@ -3910,13 +4357,13 @@
         </p:nvPicPr>
         <p:blipFill>
           <a:blip r:embed="rId2"/>
-          <a:srcRect l="51968"/>
+          <a:srcRect l="50621"/>
           <a:stretch/>
         </p:blipFill>
         <p:spPr>
           <a:xfrm>
-            <a:off x="4394428" y="586512"/>
-            <a:ext cx="7527495" cy="6097519"/>
+            <a:off x="4179178" y="509142"/>
+            <a:ext cx="7963415" cy="6205412"/>
           </a:xfrm>
           <a:prstGeom prst="rect">
             <a:avLst/>
@@ -3952,39 +4399,6 @@
             <a:r>
               <a:rPr lang="en-US" dirty="0"/>
               <a:t>Studio Overview</a:t>
-            </a:r>
-          </a:p>
-        </p:txBody>
-      </p:sp>
-      <p:sp>
-        <p:nvSpPr>
-          <p:cNvPr id="3" name="Content Placeholder 2">
-            <a:extLst>
-              <a:ext uri="{FF2B5EF4-FFF2-40B4-BE49-F238E27FC236}">
-                <a16:creationId xmlns:a16="http://schemas.microsoft.com/office/drawing/2014/main" id="{DA1414B7-162D-032D-CD96-DB968086F2AC}"/>
-              </a:ext>
-            </a:extLst>
-          </p:cNvPr>
-          <p:cNvSpPr>
-            <a:spLocks noGrp="1"/>
-          </p:cNvSpPr>
-          <p:nvPr>
-            <p:ph idx="1"/>
-          </p:nvPr>
-        </p:nvSpPr>
-        <p:spPr>
-          <a:xfrm>
-            <a:off x="838200" y="1008584"/>
-            <a:ext cx="3837972" cy="4351338"/>
-          </a:xfrm>
-        </p:spPr>
-        <p:txBody>
-          <a:bodyPr/>
-          <a:lstStyle/>
-          <a:p>
-            <a:r>
-              <a:rPr lang="en-US" dirty="0"/>
-              <a:t>Good ROI: Budgets under $12 Million</a:t>
             </a:r>
           </a:p>
         </p:txBody>
@@ -4002,7 +4416,7 @@
 </p:sld>
 </file>
 
-<file path=ppt/slides/slide6.xml><?xml version="1.0" encoding="utf-8"?>
+<file path=ppt/slides/slide5.xml><?xml version="1.0" encoding="utf-8"?>
 <p:sld xmlns:a="http://schemas.openxmlformats.org/drawingml/2006/main" xmlns:r="http://schemas.openxmlformats.org/officeDocument/2006/relationships" xmlns:p="http://schemas.openxmlformats.org/presentationml/2006/main">
   <p:cSld>
     <p:spTree>
@@ -4074,10 +4488,10 @@
       </p:sp>
       <p:pic>
         <p:nvPicPr>
-          <p:cNvPr id="8" name="Picture 7" descr="A graph of different colored bars&#10;&#10;Description automatically generated">
-            <a:extLst>
-              <a:ext uri="{FF2B5EF4-FFF2-40B4-BE49-F238E27FC236}">
-                <a16:creationId xmlns:a16="http://schemas.microsoft.com/office/drawing/2014/main" id="{8C7C8D8E-6F08-C169-C2B9-52A1F237E8E4}"/>
+          <p:cNvPr id="7" name="Picture 6" descr="A graph of different colored bars&#10;&#10;Description automatically generated">
+            <a:extLst>
+              <a:ext uri="{FF2B5EF4-FFF2-40B4-BE49-F238E27FC236}">
+                <a16:creationId xmlns:a16="http://schemas.microsoft.com/office/drawing/2014/main" id="{6F416DDE-9E59-3621-C915-3A4C159BFDCE}"/>
               </a:ext>
             </a:extLst>
           </p:cNvPr>
@@ -4094,8 +4508,8 @@
         </p:blipFill>
         <p:spPr>
           <a:xfrm>
-            <a:off x="5533159" y="567613"/>
-            <a:ext cx="6520295" cy="6166106"/>
+            <a:off x="5458372" y="494951"/>
+            <a:ext cx="6597130" cy="6238768"/>
           </a:xfrm>
           <a:prstGeom prst="rect">
             <a:avLst/>
@@ -4148,7 +4562,7 @@
 </p:sld>
 </file>
 
-<file path=ppt/slides/slide7.xml><?xml version="1.0" encoding="utf-8"?>
+<file path=ppt/slides/slide6.xml><?xml version="1.0" encoding="utf-8"?>
 <p:sld xmlns:a="http://schemas.openxmlformats.org/drawingml/2006/main" xmlns:r="http://schemas.openxmlformats.org/officeDocument/2006/relationships" xmlns:p="http://schemas.openxmlformats.org/presentationml/2006/main">
   <p:cSld>
     <p:spTree>
@@ -4415,10 +4829,10 @@
       </p:sp>
       <p:pic>
         <p:nvPicPr>
-          <p:cNvPr id="8" name="Picture 7" descr="A graph of movies made by genre&#10;&#10;Description automatically generated">
-            <a:extLst>
-              <a:ext uri="{FF2B5EF4-FFF2-40B4-BE49-F238E27FC236}">
-                <a16:creationId xmlns:a16="http://schemas.microsoft.com/office/drawing/2014/main" id="{91242DF6-D2F2-4DEA-2B7B-2E051EFEEF46}"/>
+          <p:cNvPr id="6" name="Picture 5" descr="A graph of different colored bars&#10;&#10;Description automatically generated">
+            <a:extLst>
+              <a:ext uri="{FF2B5EF4-FFF2-40B4-BE49-F238E27FC236}">
+                <a16:creationId xmlns:a16="http://schemas.microsoft.com/office/drawing/2014/main" id="{893B1009-7760-5A9D-F219-99F1148A3105}"/>
               </a:ext>
             </a:extLst>
           </p:cNvPr>
@@ -4435,8 +4849,8 @@
         </p:blipFill>
         <p:spPr>
           <a:xfrm>
-            <a:off x="4850823" y="433963"/>
-            <a:ext cx="7341177" cy="6456071"/>
+            <a:off x="4693265" y="76200"/>
+            <a:ext cx="7498735" cy="6705600"/>
           </a:xfrm>
           <a:prstGeom prst="rect">
             <a:avLst/>
@@ -4456,7 +4870,7 @@
 </p:sld>
 </file>
 
-<file path=ppt/slides/slide8.xml><?xml version="1.0" encoding="utf-8"?>
+<file path=ppt/slides/slide7.xml><?xml version="1.0" encoding="utf-8"?>
 <p:sld xmlns:a="http://schemas.openxmlformats.org/drawingml/2006/main" xmlns:r="http://schemas.openxmlformats.org/officeDocument/2006/relationships" xmlns:p="http://schemas.openxmlformats.org/presentationml/2006/main">
   <p:cSld>
     <p:spTree>
@@ -4631,6 +5045,160 @@
 </p:sld>
 </file>
 
+<file path=ppt/slides/slide8.xml><?xml version="1.0" encoding="utf-8"?>
+<p:sld xmlns:a="http://schemas.openxmlformats.org/drawingml/2006/main" xmlns:r="http://schemas.openxmlformats.org/officeDocument/2006/relationships" xmlns:p="http://schemas.openxmlformats.org/presentationml/2006/main">
+  <p:cSld>
+    <p:spTree>
+      <p:nvGrpSpPr>
+        <p:cNvPr id="1" name=""/>
+        <p:cNvGrpSpPr/>
+        <p:nvPr/>
+      </p:nvGrpSpPr>
+      <p:grpSpPr>
+        <a:xfrm>
+          <a:off x="0" y="0"/>
+          <a:ext cx="0" cy="0"/>
+          <a:chOff x="0" y="0"/>
+          <a:chExt cx="0" cy="0"/>
+        </a:xfrm>
+      </p:grpSpPr>
+      <p:sp>
+        <p:nvSpPr>
+          <p:cNvPr id="2" name="Title 1">
+            <a:extLst>
+              <a:ext uri="{FF2B5EF4-FFF2-40B4-BE49-F238E27FC236}">
+                <a16:creationId xmlns:a16="http://schemas.microsoft.com/office/drawing/2014/main" id="{276E2372-E5AE-D882-4EB2-393E769F97CB}"/>
+              </a:ext>
+            </a:extLst>
+          </p:cNvPr>
+          <p:cNvSpPr>
+            <a:spLocks noGrp="1"/>
+          </p:cNvSpPr>
+          <p:nvPr>
+            <p:ph type="title"/>
+          </p:nvPr>
+        </p:nvSpPr>
+        <p:spPr/>
+        <p:txBody>
+          <a:bodyPr/>
+          <a:lstStyle/>
+          <a:p>
+            <a:r>
+              <a:rPr lang="en-US" dirty="0"/>
+              <a:t>Recommendations</a:t>
+            </a:r>
+          </a:p>
+        </p:txBody>
+      </p:sp>
+      <p:sp>
+        <p:nvSpPr>
+          <p:cNvPr id="3" name="Content Placeholder 2">
+            <a:extLst>
+              <a:ext uri="{FF2B5EF4-FFF2-40B4-BE49-F238E27FC236}">
+                <a16:creationId xmlns:a16="http://schemas.microsoft.com/office/drawing/2014/main" id="{B4C3B4DF-F141-DEE2-028B-1BDC772F95CF}"/>
+              </a:ext>
+            </a:extLst>
+          </p:cNvPr>
+          <p:cNvSpPr>
+            <a:spLocks noGrp="1"/>
+          </p:cNvSpPr>
+          <p:nvPr>
+            <p:ph idx="1"/>
+          </p:nvPr>
+        </p:nvSpPr>
+        <p:spPr/>
+        <p:txBody>
+          <a:bodyPr/>
+          <a:lstStyle/>
+          <a:p>
+            <a:r>
+              <a:rPr lang="en-US" dirty="0"/>
+              <a:t>Target movies with </a:t>
+            </a:r>
+            <a:r>
+              <a:rPr lang="en-US" b="1" dirty="0"/>
+              <a:t>budgets</a:t>
+            </a:r>
+            <a:r>
+              <a:rPr lang="en-US" dirty="0"/>
+              <a:t> under </a:t>
+            </a:r>
+            <a:r>
+              <a:rPr lang="en-US" b="1" dirty="0"/>
+              <a:t>$12 million</a:t>
+            </a:r>
+            <a:r>
+              <a:rPr lang="en-US" dirty="0"/>
+              <a:t>.</a:t>
+            </a:r>
+          </a:p>
+          <a:p>
+            <a:r>
+              <a:rPr lang="en-US" dirty="0"/>
+              <a:t>Approach </a:t>
+            </a:r>
+            <a:r>
+              <a:rPr lang="en-US" b="1" dirty="0"/>
+              <a:t>Paramount</a:t>
+            </a:r>
+            <a:r>
+              <a:rPr lang="en-US" dirty="0"/>
+              <a:t>, </a:t>
+            </a:r>
+            <a:r>
+              <a:rPr lang="en-US" b="1" dirty="0"/>
+              <a:t>Columbia</a:t>
+            </a:r>
+            <a:r>
+              <a:rPr lang="en-US" dirty="0"/>
+              <a:t>, and </a:t>
+            </a:r>
+            <a:r>
+              <a:rPr lang="en-US" b="1" dirty="0"/>
+              <a:t>Universal </a:t>
+            </a:r>
+            <a:r>
+              <a:rPr lang="en-US" dirty="0"/>
+              <a:t>to make film.</a:t>
+            </a:r>
+          </a:p>
+          <a:p>
+            <a:r>
+              <a:rPr lang="en-US" dirty="0"/>
+              <a:t>Explore options for </a:t>
+            </a:r>
+            <a:r>
+              <a:rPr lang="en-US" b="1" dirty="0"/>
+              <a:t>high-quality comedy </a:t>
+            </a:r>
+            <a:r>
+              <a:rPr lang="en-US" dirty="0"/>
+              <a:t>and </a:t>
+            </a:r>
+            <a:r>
+              <a:rPr lang="en-US" b="1" dirty="0"/>
+              <a:t>drama </a:t>
+            </a:r>
+            <a:r>
+              <a:rPr lang="en-US" dirty="0"/>
+              <a:t>films.</a:t>
+            </a:r>
+          </a:p>
+        </p:txBody>
+      </p:sp>
+    </p:spTree>
+    <p:extLst>
+      <p:ext uri="{BB962C8B-B14F-4D97-AF65-F5344CB8AC3E}">
+        <p14:creationId xmlns:p14="http://schemas.microsoft.com/office/powerpoint/2010/main" val="3352067918"/>
+      </p:ext>
+    </p:extLst>
+  </p:cSld>
+  <p:clrMapOvr>
+    <a:masterClrMapping/>
+  </p:clrMapOvr>
+</p:sld>
+</file>
+
 <file path=ppt/slides/slide9.xml><?xml version="1.0" encoding="utf-8"?>
 <p:sld xmlns:a="http://schemas.openxmlformats.org/drawingml/2006/main" xmlns:r="http://schemas.openxmlformats.org/officeDocument/2006/relationships" xmlns:p="http://schemas.openxmlformats.org/presentationml/2006/main">
   <p:cSld>
@@ -4653,7 +5221,7 @@
           <p:cNvPr id="2" name="Title 1">
             <a:extLst>
               <a:ext uri="{FF2B5EF4-FFF2-40B4-BE49-F238E27FC236}">
-                <a16:creationId xmlns:a16="http://schemas.microsoft.com/office/drawing/2014/main" id="{276E2372-E5AE-D882-4EB2-393E769F97CB}"/>
+                <a16:creationId xmlns:a16="http://schemas.microsoft.com/office/drawing/2014/main" id="{2977022E-A290-EA34-E1A0-D471E8C7144D}"/>
               </a:ext>
             </a:extLst>
           </p:cNvPr>
@@ -4671,7 +5239,7 @@
           <a:p>
             <a:r>
               <a:rPr lang="en-US" dirty="0"/>
-              <a:t>Recommendations</a:t>
+              <a:t>Thank You!</a:t>
             </a:r>
           </a:p>
         </p:txBody>
@@ -4681,7 +5249,7 @@
           <p:cNvPr id="3" name="Content Placeholder 2">
             <a:extLst>
               <a:ext uri="{FF2B5EF4-FFF2-40B4-BE49-F238E27FC236}">
-                <a16:creationId xmlns:a16="http://schemas.microsoft.com/office/drawing/2014/main" id="{B4C3B4DF-F141-DEE2-028B-1BDC772F95CF}"/>
+                <a16:creationId xmlns:a16="http://schemas.microsoft.com/office/drawing/2014/main" id="{62440D31-3A04-3292-1BC2-E44B4F37D566}"/>
               </a:ext>
             </a:extLst>
           </p:cNvPr>
@@ -4697,85 +5265,14 @@
           <a:bodyPr/>
           <a:lstStyle/>
           <a:p>
-            <a:r>
-              <a:rPr lang="en-US" dirty="0"/>
-              <a:t>Target movies with </a:t>
-            </a:r>
-            <a:r>
-              <a:rPr lang="en-US" b="1" dirty="0"/>
-              <a:t>budgets</a:t>
-            </a:r>
-            <a:r>
-              <a:rPr lang="en-US" dirty="0"/>
-              <a:t> under </a:t>
-            </a:r>
-            <a:r>
-              <a:rPr lang="en-US" b="1" dirty="0"/>
-              <a:t>$12 million</a:t>
-            </a:r>
-            <a:r>
-              <a:rPr lang="en-US" dirty="0"/>
-              <a:t>.</a:t>
-            </a:r>
-          </a:p>
-          <a:p>
-            <a:r>
-              <a:rPr lang="en-US" dirty="0"/>
-              <a:t>Approach </a:t>
-            </a:r>
-            <a:r>
-              <a:rPr lang="en-US" b="1" dirty="0"/>
-              <a:t>Paramount</a:t>
-            </a:r>
-            <a:r>
-              <a:rPr lang="en-US" dirty="0"/>
-              <a:t>, </a:t>
-            </a:r>
-            <a:r>
-              <a:rPr lang="en-US" b="1" dirty="0"/>
-              <a:t>Columbia</a:t>
-            </a:r>
-            <a:r>
-              <a:rPr lang="en-US" dirty="0"/>
-              <a:t>, and </a:t>
-            </a:r>
-            <a:r>
-              <a:rPr lang="en-US" b="1" dirty="0"/>
-              <a:t>Universal </a:t>
-            </a:r>
-            <a:r>
-              <a:rPr lang="en-US" dirty="0"/>
-              <a:t>to make film.</a:t>
-            </a:r>
-          </a:p>
-          <a:p>
-            <a:r>
-              <a:rPr lang="en-US" dirty="0"/>
-              <a:t>Explore options for </a:t>
-            </a:r>
-            <a:r>
-              <a:rPr lang="en-US" b="1" dirty="0"/>
-              <a:t>high-quality comedy </a:t>
-            </a:r>
-            <a:r>
-              <a:rPr lang="en-US" dirty="0"/>
-              <a:t>and </a:t>
-            </a:r>
-            <a:r>
-              <a:rPr lang="en-US" b="1" dirty="0"/>
-              <a:t>drama </a:t>
-            </a:r>
-            <a:r>
-              <a:rPr lang="en-US" dirty="0"/>
-              <a:t>films.</a:t>
-            </a:r>
+            <a:endParaRPr lang="en-US"/>
           </a:p>
         </p:txBody>
       </p:sp>
     </p:spTree>
     <p:extLst>
       <p:ext uri="{BB962C8B-B14F-4D97-AF65-F5344CB8AC3E}">
-        <p14:creationId xmlns:p14="http://schemas.microsoft.com/office/powerpoint/2010/main" val="3352067918"/>
+        <p14:creationId xmlns:p14="http://schemas.microsoft.com/office/powerpoint/2010/main" val="4202594647"/>
       </p:ext>
     </p:extLst>
   </p:cSld>
@@ -5098,4 +5595,319 @@
     </a:ext>
   </a:extLst>
 </a:theme>
+</file>
+
+<file path=ppt/theme/theme2.xml><?xml version="1.0" encoding="utf-8"?>
+<a:theme xmlns:a="http://schemas.openxmlformats.org/drawingml/2006/main" name="Office Theme">
+  <a:themeElements>
+    <a:clrScheme name="Office">
+      <a:dk1>
+        <a:sysClr val="windowText" lastClr="000000"/>
+      </a:dk1>
+      <a:lt1>
+        <a:sysClr val="window" lastClr="FFFFFF"/>
+      </a:lt1>
+      <a:dk2>
+        <a:srgbClr val="0E2841"/>
+      </a:dk2>
+      <a:lt2>
+        <a:srgbClr val="E8E8E8"/>
+      </a:lt2>
+      <a:accent1>
+        <a:srgbClr val="156082"/>
+      </a:accent1>
+      <a:accent2>
+        <a:srgbClr val="E97132"/>
+      </a:accent2>
+      <a:accent3>
+        <a:srgbClr val="196B24"/>
+      </a:accent3>
+      <a:accent4>
+        <a:srgbClr val="0F9ED5"/>
+      </a:accent4>
+      <a:accent5>
+        <a:srgbClr val="A02B93"/>
+      </a:accent5>
+      <a:accent6>
+        <a:srgbClr val="4EA72E"/>
+      </a:accent6>
+      <a:hlink>
+        <a:srgbClr val="467886"/>
+      </a:hlink>
+      <a:folHlink>
+        <a:srgbClr val="96607D"/>
+      </a:folHlink>
+    </a:clrScheme>
+    <a:fontScheme name="Office">
+      <a:majorFont>
+        <a:latin typeface="Aptos Display" panose="02110004020202020204"/>
+        <a:ea typeface=""/>
+        <a:cs typeface=""/>
+        <a:font script="Jpan" typeface="游ゴシック Light"/>
+        <a:font script="Hang" typeface="맑은 고딕"/>
+        <a:font script="Hans" typeface="等线 Light"/>
+        <a:font script="Hant" typeface="新細明體"/>
+        <a:font script="Arab" typeface="Times New Roman"/>
+        <a:font script="Hebr" typeface="Times New Roman"/>
+        <a:font script="Thai" typeface="Angsana New"/>
+        <a:font script="Ethi" typeface="Nyala"/>
+        <a:font script="Beng" typeface="Vrinda"/>
+        <a:font script="Gujr" typeface="Shruti"/>
+        <a:font script="Khmr" typeface="MoolBoran"/>
+        <a:font script="Knda" typeface="Tunga"/>
+        <a:font script="Guru" typeface="Raavi"/>
+        <a:font script="Cans" typeface="Euphemia"/>
+        <a:font script="Cher" typeface="Plantagenet Cherokee"/>
+        <a:font script="Yiii" typeface="Microsoft Yi Baiti"/>
+        <a:font script="Tibt" typeface="Microsoft Himalaya"/>
+        <a:font script="Thaa" typeface="MV Boli"/>
+        <a:font script="Deva" typeface="Mangal"/>
+        <a:font script="Telu" typeface="Gautami"/>
+        <a:font script="Taml" typeface="Latha"/>
+        <a:font script="Syrc" typeface="Estrangelo Edessa"/>
+        <a:font script="Orya" typeface="Kalinga"/>
+        <a:font script="Mlym" typeface="Kartika"/>
+        <a:font script="Laoo" typeface="DokChampa"/>
+        <a:font script="Sinh" typeface="Iskoola Pota"/>
+        <a:font script="Mong" typeface="Mongolian Baiti"/>
+        <a:font script="Viet" typeface="Times New Roman"/>
+        <a:font script="Uigh" typeface="Microsoft Uighur"/>
+        <a:font script="Geor" typeface="Sylfaen"/>
+        <a:font script="Armn" typeface="Arial"/>
+        <a:font script="Bugi" typeface="Leelawadee UI"/>
+        <a:font script="Bopo" typeface="Microsoft JhengHei"/>
+        <a:font script="Java" typeface="Javanese Text"/>
+        <a:font script="Lisu" typeface="Segoe UI"/>
+        <a:font script="Mymr" typeface="Myanmar Text"/>
+        <a:font script="Nkoo" typeface="Ebrima"/>
+        <a:font script="Olck" typeface="Nirmala UI"/>
+        <a:font script="Osma" typeface="Ebrima"/>
+        <a:font script="Phag" typeface="Phagspa"/>
+        <a:font script="Syrn" typeface="Estrangelo Edessa"/>
+        <a:font script="Syrj" typeface="Estrangelo Edessa"/>
+        <a:font script="Syre" typeface="Estrangelo Edessa"/>
+        <a:font script="Sora" typeface="Nirmala UI"/>
+        <a:font script="Tale" typeface="Microsoft Tai Le"/>
+        <a:font script="Talu" typeface="Microsoft New Tai Lue"/>
+        <a:font script="Tfng" typeface="Ebrima"/>
+      </a:majorFont>
+      <a:minorFont>
+        <a:latin typeface="Aptos" panose="02110004020202020204"/>
+        <a:ea typeface=""/>
+        <a:cs typeface=""/>
+        <a:font script="Jpan" typeface="游ゴシック"/>
+        <a:font script="Hang" typeface="맑은 고딕"/>
+        <a:font script="Hans" typeface="等线"/>
+        <a:font script="Hant" typeface="新細明體"/>
+        <a:font script="Arab" typeface="Arial"/>
+        <a:font script="Hebr" typeface="Arial"/>
+        <a:font script="Thai" typeface="Cordia New"/>
+        <a:font script="Ethi" typeface="Nyala"/>
+        <a:font script="Beng" typeface="Vrinda"/>
+        <a:font script="Gujr" typeface="Shruti"/>
+        <a:font script="Khmr" typeface="DaunPenh"/>
+        <a:font script="Knda" typeface="Tunga"/>
+        <a:font script="Guru" typeface="Raavi"/>
+        <a:font script="Cans" typeface="Euphemia"/>
+        <a:font script="Cher" typeface="Plantagenet Cherokee"/>
+        <a:font script="Yiii" typeface="Microsoft Yi Baiti"/>
+        <a:font script="Tibt" typeface="Microsoft Himalaya"/>
+        <a:font script="Thaa" typeface="MV Boli"/>
+        <a:font script="Deva" typeface="Mangal"/>
+        <a:font script="Telu" typeface="Gautami"/>
+        <a:font script="Taml" typeface="Latha"/>
+        <a:font script="Syrc" typeface="Estrangelo Edessa"/>
+        <a:font script="Orya" typeface="Kalinga"/>
+        <a:font script="Mlym" typeface="Kartika"/>
+        <a:font script="Laoo" typeface="DokChampa"/>
+        <a:font script="Sinh" typeface="Iskoola Pota"/>
+        <a:font script="Mong" typeface="Mongolian Baiti"/>
+        <a:font script="Viet" typeface="Arial"/>
+        <a:font script="Uigh" typeface="Microsoft Uighur"/>
+        <a:font script="Geor" typeface="Sylfaen"/>
+        <a:font script="Armn" typeface="Arial"/>
+        <a:font script="Bugi" typeface="Leelawadee UI"/>
+        <a:font script="Bopo" typeface="Microsoft JhengHei"/>
+        <a:font script="Java" typeface="Javanese Text"/>
+        <a:font script="Lisu" typeface="Segoe UI"/>
+        <a:font script="Mymr" typeface="Myanmar Text"/>
+        <a:font script="Nkoo" typeface="Ebrima"/>
+        <a:font script="Olck" typeface="Nirmala UI"/>
+        <a:font script="Osma" typeface="Ebrima"/>
+        <a:font script="Phag" typeface="Phagspa"/>
+        <a:font script="Syrn" typeface="Estrangelo Edessa"/>
+        <a:font script="Syrj" typeface="Estrangelo Edessa"/>
+        <a:font script="Syre" typeface="Estrangelo Edessa"/>
+        <a:font script="Sora" typeface="Nirmala UI"/>
+        <a:font script="Tale" typeface="Microsoft Tai Le"/>
+        <a:font script="Talu" typeface="Microsoft New Tai Lue"/>
+        <a:font script="Tfng" typeface="Ebrima"/>
+      </a:minorFont>
+    </a:fontScheme>
+    <a:fmtScheme name="Office">
+      <a:fillStyleLst>
+        <a:solidFill>
+          <a:schemeClr val="phClr"/>
+        </a:solidFill>
+        <a:gradFill rotWithShape="1">
+          <a:gsLst>
+            <a:gs pos="0">
+              <a:schemeClr val="phClr">
+                <a:lumMod val="110000"/>
+                <a:satMod val="105000"/>
+                <a:tint val="67000"/>
+              </a:schemeClr>
+            </a:gs>
+            <a:gs pos="50000">
+              <a:schemeClr val="phClr">
+                <a:lumMod val="105000"/>
+                <a:satMod val="103000"/>
+                <a:tint val="73000"/>
+              </a:schemeClr>
+            </a:gs>
+            <a:gs pos="100000">
+              <a:schemeClr val="phClr">
+                <a:lumMod val="105000"/>
+                <a:satMod val="109000"/>
+                <a:tint val="81000"/>
+              </a:schemeClr>
+            </a:gs>
+          </a:gsLst>
+          <a:lin ang="5400000" scaled="0"/>
+        </a:gradFill>
+        <a:gradFill rotWithShape="1">
+          <a:gsLst>
+            <a:gs pos="0">
+              <a:schemeClr val="phClr">
+                <a:satMod val="103000"/>
+                <a:lumMod val="102000"/>
+                <a:tint val="94000"/>
+              </a:schemeClr>
+            </a:gs>
+            <a:gs pos="50000">
+              <a:schemeClr val="phClr">
+                <a:satMod val="110000"/>
+                <a:lumMod val="100000"/>
+                <a:shade val="100000"/>
+              </a:schemeClr>
+            </a:gs>
+            <a:gs pos="100000">
+              <a:schemeClr val="phClr">
+                <a:lumMod val="99000"/>
+                <a:satMod val="120000"/>
+                <a:shade val="78000"/>
+              </a:schemeClr>
+            </a:gs>
+          </a:gsLst>
+          <a:lin ang="5400000" scaled="0"/>
+        </a:gradFill>
+      </a:fillStyleLst>
+      <a:lnStyleLst>
+        <a:ln w="12700" cap="flat" cmpd="sng" algn="ctr">
+          <a:solidFill>
+            <a:schemeClr val="phClr"/>
+          </a:solidFill>
+          <a:prstDash val="solid"/>
+          <a:miter lim="800000"/>
+        </a:ln>
+        <a:ln w="19050" cap="flat" cmpd="sng" algn="ctr">
+          <a:solidFill>
+            <a:schemeClr val="phClr"/>
+          </a:solidFill>
+          <a:prstDash val="solid"/>
+          <a:miter lim="800000"/>
+        </a:ln>
+        <a:ln w="25400" cap="flat" cmpd="sng" algn="ctr">
+          <a:solidFill>
+            <a:schemeClr val="phClr"/>
+          </a:solidFill>
+          <a:prstDash val="solid"/>
+          <a:miter lim="800000"/>
+        </a:ln>
+      </a:lnStyleLst>
+      <a:effectStyleLst>
+        <a:effectStyle>
+          <a:effectLst/>
+        </a:effectStyle>
+        <a:effectStyle>
+          <a:effectLst/>
+        </a:effectStyle>
+        <a:effectStyle>
+          <a:effectLst>
+            <a:outerShdw blurRad="57150" dist="19050" dir="5400000" algn="ctr" rotWithShape="0">
+              <a:srgbClr val="000000">
+                <a:alpha val="63000"/>
+              </a:srgbClr>
+            </a:outerShdw>
+          </a:effectLst>
+        </a:effectStyle>
+      </a:effectStyleLst>
+      <a:bgFillStyleLst>
+        <a:solidFill>
+          <a:schemeClr val="phClr"/>
+        </a:solidFill>
+        <a:solidFill>
+          <a:schemeClr val="phClr">
+            <a:tint val="95000"/>
+            <a:satMod val="170000"/>
+          </a:schemeClr>
+        </a:solidFill>
+        <a:gradFill rotWithShape="1">
+          <a:gsLst>
+            <a:gs pos="0">
+              <a:schemeClr val="phClr">
+                <a:tint val="93000"/>
+                <a:satMod val="150000"/>
+                <a:shade val="98000"/>
+                <a:lumMod val="102000"/>
+              </a:schemeClr>
+            </a:gs>
+            <a:gs pos="50000">
+              <a:schemeClr val="phClr">
+                <a:tint val="98000"/>
+                <a:satMod val="130000"/>
+                <a:shade val="90000"/>
+                <a:lumMod val="103000"/>
+              </a:schemeClr>
+            </a:gs>
+            <a:gs pos="100000">
+              <a:schemeClr val="phClr">
+                <a:shade val="63000"/>
+                <a:satMod val="120000"/>
+              </a:schemeClr>
+            </a:gs>
+          </a:gsLst>
+          <a:lin ang="5400000" scaled="0"/>
+        </a:gradFill>
+      </a:bgFillStyleLst>
+    </a:fmtScheme>
+  </a:themeElements>
+  <a:objectDefaults>
+    <a:lnDef>
+      <a:spPr/>
+      <a:bodyPr/>
+      <a:lstStyle/>
+      <a:style>
+        <a:lnRef idx="2">
+          <a:schemeClr val="accent1"/>
+        </a:lnRef>
+        <a:fillRef idx="0">
+          <a:schemeClr val="accent1"/>
+        </a:fillRef>
+        <a:effectRef idx="1">
+          <a:schemeClr val="accent1"/>
+        </a:effectRef>
+        <a:fontRef idx="minor">
+          <a:schemeClr val="tx1"/>
+        </a:fontRef>
+      </a:style>
+    </a:lnDef>
+  </a:objectDefaults>
+  <a:extraClrSchemeLst/>
+  <a:extLst>
+    <a:ext uri="{05A4C25C-085E-4340-85A3-A5531E510DB2}">
+      <thm15:themeFamily xmlns:thm15="http://schemas.microsoft.com/office/thememl/2012/main" name="Office Theme" id="{2E142A2C-CD16-42D6-873A-C26D2A0506FA}" vid="{1BDDFF52-6CD6-40A5-AB3C-68EB2F1E4D0A}"/>
+    </a:ext>
+  </a:extLst>
+</a:theme>
 </file>